--- a/Project_3조_230416.pptx
+++ b/Project_3조_230416.pptx
@@ -9,14 +9,15 @@
     <p:sldId id="257" r:id="rId3"/>
     <p:sldId id="258" r:id="rId4"/>
     <p:sldId id="259" r:id="rId5"/>
-    <p:sldId id="260" r:id="rId6"/>
-    <p:sldId id="261" r:id="rId7"/>
-    <p:sldId id="262" r:id="rId8"/>
-    <p:sldId id="268" r:id="rId9"/>
-    <p:sldId id="269" r:id="rId10"/>
-    <p:sldId id="270" r:id="rId11"/>
-    <p:sldId id="271" r:id="rId12"/>
-    <p:sldId id="272" r:id="rId13"/>
+    <p:sldId id="273" r:id="rId6"/>
+    <p:sldId id="260" r:id="rId7"/>
+    <p:sldId id="261" r:id="rId8"/>
+    <p:sldId id="262" r:id="rId9"/>
+    <p:sldId id="268" r:id="rId10"/>
+    <p:sldId id="269" r:id="rId11"/>
+    <p:sldId id="270" r:id="rId12"/>
+    <p:sldId id="271" r:id="rId13"/>
+    <p:sldId id="272" r:id="rId14"/>
   </p:sldIdLst>
   <p:sldSz cx="9906000" cy="6858000" type="A4"/>
   <p:notesSz cx="6858000" cy="9144000"/>
@@ -117,7 +118,7 @@
   </p:defaultTextStyle>
   <p:extLst>
     <p:ext uri="{EFAFB233-063F-42B5-8137-9DF3F51BA10A}">
-      <p15:sldGuideLst xmlns="" xmlns:p15="http://schemas.microsoft.com/office/powerpoint/2012/main">
+      <p15:sldGuideLst xmlns:p15="http://schemas.microsoft.com/office/powerpoint/2012/main">
         <p15:guide id="1" orient="horz" pos="2160">
           <p15:clr>
             <a:srgbClr val="A4A3A4"/>
@@ -3517,10 +3518,10 @@
       </p:grpSpPr>
       <p:pic>
         <p:nvPicPr>
-          <p:cNvPr id="4" name="그림 3">
+          <p:cNvPr id="3" name="그림 2">
             <a:extLst>
               <a:ext uri="{FF2B5EF4-FFF2-40B4-BE49-F238E27FC236}">
-                <a16:creationId xmlns="" xmlns:a16="http://schemas.microsoft.com/office/drawing/2014/main" id="{63BF1870-724E-481A-E900-5FCA80CE91A1}"/>
+                <a16:creationId xmlns:a16="http://schemas.microsoft.com/office/drawing/2014/main" id="{981B0729-2B7C-F9FD-FC52-91161D4581F6}"/>
               </a:ext>
             </a:extLst>
           </p:cNvPr>
@@ -3529,16 +3530,15 @@
           </p:cNvPicPr>
           <p:nvPr/>
         </p:nvPicPr>
-        <p:blipFill>
+        <p:blipFill rotWithShape="1">
           <a:blip r:embed="rId2"/>
-          <a:stretch>
-            <a:fillRect/>
-          </a:stretch>
+          <a:srcRect r="28129"/>
+          <a:stretch/>
         </p:blipFill>
         <p:spPr>
           <a:xfrm>
-            <a:off x="704528" y="980728"/>
-            <a:ext cx="3886464" cy="2141749"/>
+            <a:off x="1064568" y="667801"/>
+            <a:ext cx="2535882" cy="2833207"/>
           </a:xfrm>
           <a:prstGeom prst="rect">
             <a:avLst/>
@@ -3547,10 +3547,10 @@
       </p:pic>
       <p:pic>
         <p:nvPicPr>
-          <p:cNvPr id="6" name="그림 5">
+          <p:cNvPr id="11" name="그림 10">
             <a:extLst>
               <a:ext uri="{FF2B5EF4-FFF2-40B4-BE49-F238E27FC236}">
-                <a16:creationId xmlns="" xmlns:a16="http://schemas.microsoft.com/office/drawing/2014/main" id="{0E05D62B-4C99-62F9-20B1-E3062E36D043}"/>
+                <a16:creationId xmlns:a16="http://schemas.microsoft.com/office/drawing/2014/main" id="{14A37B24-B969-4329-420A-77E1E5B18624}"/>
               </a:ext>
             </a:extLst>
           </p:cNvPr>
@@ -3567,8 +3567,8 @@
         </p:blipFill>
         <p:spPr>
           <a:xfrm>
-            <a:off x="4988845" y="1052736"/>
-            <a:ext cx="3530066" cy="2236681"/>
+            <a:off x="488505" y="3501008"/>
+            <a:ext cx="6725589" cy="3143689"/>
           </a:xfrm>
           <a:prstGeom prst="rect">
             <a:avLst/>
@@ -3577,10 +3577,10 @@
       </p:pic>
       <p:pic>
         <p:nvPicPr>
-          <p:cNvPr id="12" name="그림 11">
+          <p:cNvPr id="7" name="그림 6">
             <a:extLst>
               <a:ext uri="{FF2B5EF4-FFF2-40B4-BE49-F238E27FC236}">
-                <a16:creationId xmlns="" xmlns:a16="http://schemas.microsoft.com/office/drawing/2014/main" id="{4C6E1A5D-76EB-79B9-5AA8-B74A98331DDB}"/>
+                <a16:creationId xmlns:a16="http://schemas.microsoft.com/office/drawing/2014/main" id="{F2FA964F-DC87-DAB9-0107-025DD639E5A4}"/>
               </a:ext>
             </a:extLst>
           </p:cNvPr>
@@ -3597,38 +3597,8 @@
         </p:blipFill>
         <p:spPr>
           <a:xfrm>
-            <a:off x="560511" y="3306077"/>
-            <a:ext cx="3103605" cy="2859227"/>
-          </a:xfrm>
-          <a:prstGeom prst="rect">
-            <a:avLst/>
-          </a:prstGeom>
-        </p:spPr>
-      </p:pic>
-      <p:pic>
-        <p:nvPicPr>
-          <p:cNvPr id="14" name="그림 13">
-            <a:extLst>
-              <a:ext uri="{FF2B5EF4-FFF2-40B4-BE49-F238E27FC236}">
-                <a16:creationId xmlns="" xmlns:a16="http://schemas.microsoft.com/office/drawing/2014/main" id="{6CFBCEE9-B637-010B-CF17-3A04C012ACD3}"/>
-              </a:ext>
-            </a:extLst>
-          </p:cNvPr>
-          <p:cNvPicPr>
-            <a:picLocks noChangeAspect="1"/>
-          </p:cNvPicPr>
-          <p:nvPr/>
-        </p:nvPicPr>
-        <p:blipFill>
-          <a:blip r:embed="rId5"/>
-          <a:stretch>
-            <a:fillRect/>
-          </a:stretch>
-        </p:blipFill>
-        <p:spPr>
-          <a:xfrm>
-            <a:off x="4506045" y="3192516"/>
-            <a:ext cx="4047907" cy="2141750"/>
+            <a:off x="6105128" y="875610"/>
+            <a:ext cx="2946300" cy="4115374"/>
           </a:xfrm>
           <a:prstGeom prst="rect">
             <a:avLst/>
@@ -3638,7 +3608,7 @@
     </p:spTree>
     <p:extLst>
       <p:ext uri="{BB962C8B-B14F-4D97-AF65-F5344CB8AC3E}">
-        <p14:creationId xmlns="" xmlns:p14="http://schemas.microsoft.com/office/powerpoint/2010/main" val="2992322914"/>
+        <p14:creationId xmlns:p14="http://schemas.microsoft.com/office/powerpoint/2010/main" val="3113683769"/>
       </p:ext>
     </p:extLst>
   </p:cSld>
@@ -3667,10 +3637,10 @@
       </p:grpSpPr>
       <p:pic>
         <p:nvPicPr>
-          <p:cNvPr id="3" name="그림 2">
+          <p:cNvPr id="4" name="그림 3">
             <a:extLst>
               <a:ext uri="{FF2B5EF4-FFF2-40B4-BE49-F238E27FC236}">
-                <a16:creationId xmlns="" xmlns:a16="http://schemas.microsoft.com/office/drawing/2014/main" id="{EFEBD290-81D9-D0BE-1B22-DDF24C7E4CED}"/>
+                <a16:creationId xmlns:a16="http://schemas.microsoft.com/office/drawing/2014/main" id="{63BF1870-724E-481A-E900-5FCA80CE91A1}"/>
               </a:ext>
             </a:extLst>
           </p:cNvPr>
@@ -3687,8 +3657,8 @@
         </p:blipFill>
         <p:spPr>
           <a:xfrm>
-            <a:off x="416496" y="836712"/>
-            <a:ext cx="3755937" cy="1787308"/>
+            <a:off x="704528" y="980728"/>
+            <a:ext cx="3886464" cy="2141749"/>
           </a:xfrm>
           <a:prstGeom prst="rect">
             <a:avLst/>
@@ -3697,10 +3667,10 @@
       </p:pic>
       <p:pic>
         <p:nvPicPr>
-          <p:cNvPr id="5" name="그림 4">
+          <p:cNvPr id="6" name="그림 5">
             <a:extLst>
               <a:ext uri="{FF2B5EF4-FFF2-40B4-BE49-F238E27FC236}">
-                <a16:creationId xmlns="" xmlns:a16="http://schemas.microsoft.com/office/drawing/2014/main" id="{BB352D4E-7B18-3930-6954-6869CE35150F}"/>
+                <a16:creationId xmlns:a16="http://schemas.microsoft.com/office/drawing/2014/main" id="{0E05D62B-4C99-62F9-20B1-E3062E36D043}"/>
               </a:ext>
             </a:extLst>
           </p:cNvPr>
@@ -3717,8 +3687,8 @@
         </p:blipFill>
         <p:spPr>
           <a:xfrm>
-            <a:off x="5097016" y="818665"/>
-            <a:ext cx="3084547" cy="2771883"/>
+            <a:off x="4988845" y="1052736"/>
+            <a:ext cx="3530066" cy="2236681"/>
           </a:xfrm>
           <a:prstGeom prst="rect">
             <a:avLst/>
@@ -3727,10 +3697,10 @@
       </p:pic>
       <p:pic>
         <p:nvPicPr>
-          <p:cNvPr id="7" name="그림 6">
+          <p:cNvPr id="12" name="그림 11">
             <a:extLst>
               <a:ext uri="{FF2B5EF4-FFF2-40B4-BE49-F238E27FC236}">
-                <a16:creationId xmlns="" xmlns:a16="http://schemas.microsoft.com/office/drawing/2014/main" id="{BF39B461-BF13-BC57-9A5C-5FAC93C705D1}"/>
+                <a16:creationId xmlns:a16="http://schemas.microsoft.com/office/drawing/2014/main" id="{4C6E1A5D-76EB-79B9-5AA8-B74A98331DDB}"/>
               </a:ext>
             </a:extLst>
           </p:cNvPr>
@@ -3747,8 +3717,8 @@
         </p:blipFill>
         <p:spPr>
           <a:xfrm>
-            <a:off x="755342" y="2920344"/>
-            <a:ext cx="4591784" cy="3100944"/>
+            <a:off x="560511" y="3306077"/>
+            <a:ext cx="3103605" cy="2859227"/>
           </a:xfrm>
           <a:prstGeom prst="rect">
             <a:avLst/>
@@ -3757,10 +3727,10 @@
       </p:pic>
       <p:pic>
         <p:nvPicPr>
-          <p:cNvPr id="9" name="그림 8">
+          <p:cNvPr id="14" name="그림 13">
             <a:extLst>
               <a:ext uri="{FF2B5EF4-FFF2-40B4-BE49-F238E27FC236}">
-                <a16:creationId xmlns="" xmlns:a16="http://schemas.microsoft.com/office/drawing/2014/main" id="{CA497F1F-E38F-BFDD-6E25-C13D7C3B87F5}"/>
+                <a16:creationId xmlns:a16="http://schemas.microsoft.com/office/drawing/2014/main" id="{6CFBCEE9-B637-010B-CF17-3A04C012ACD3}"/>
               </a:ext>
             </a:extLst>
           </p:cNvPr>
@@ -3777,8 +3747,8 @@
         </p:blipFill>
         <p:spPr>
           <a:xfrm>
-            <a:off x="6326399" y="2204606"/>
-            <a:ext cx="3258005" cy="4420217"/>
+            <a:off x="4506045" y="3192516"/>
+            <a:ext cx="4047907" cy="2141750"/>
           </a:xfrm>
           <a:prstGeom prst="rect">
             <a:avLst/>
@@ -3788,7 +3758,7 @@
     </p:spTree>
     <p:extLst>
       <p:ext uri="{BB962C8B-B14F-4D97-AF65-F5344CB8AC3E}">
-        <p14:creationId xmlns="" xmlns:p14="http://schemas.microsoft.com/office/powerpoint/2010/main" val="401033161"/>
+        <p14:creationId xmlns:p14="http://schemas.microsoft.com/office/powerpoint/2010/main" val="2992322914"/>
       </p:ext>
     </p:extLst>
   </p:cSld>
@@ -3817,10 +3787,160 @@
       </p:grpSpPr>
       <p:pic>
         <p:nvPicPr>
+          <p:cNvPr id="3" name="그림 2">
+            <a:extLst>
+              <a:ext uri="{FF2B5EF4-FFF2-40B4-BE49-F238E27FC236}">
+                <a16:creationId xmlns:a16="http://schemas.microsoft.com/office/drawing/2014/main" id="{EFEBD290-81D9-D0BE-1B22-DDF24C7E4CED}"/>
+              </a:ext>
+            </a:extLst>
+          </p:cNvPr>
+          <p:cNvPicPr>
+            <a:picLocks noChangeAspect="1"/>
+          </p:cNvPicPr>
+          <p:nvPr/>
+        </p:nvPicPr>
+        <p:blipFill>
+          <a:blip r:embed="rId2"/>
+          <a:stretch>
+            <a:fillRect/>
+          </a:stretch>
+        </p:blipFill>
+        <p:spPr>
+          <a:xfrm>
+            <a:off x="416496" y="836712"/>
+            <a:ext cx="3755937" cy="1787308"/>
+          </a:xfrm>
+          <a:prstGeom prst="rect">
+            <a:avLst/>
+          </a:prstGeom>
+        </p:spPr>
+      </p:pic>
+      <p:pic>
+        <p:nvPicPr>
+          <p:cNvPr id="5" name="그림 4">
+            <a:extLst>
+              <a:ext uri="{FF2B5EF4-FFF2-40B4-BE49-F238E27FC236}">
+                <a16:creationId xmlns:a16="http://schemas.microsoft.com/office/drawing/2014/main" id="{BB352D4E-7B18-3930-6954-6869CE35150F}"/>
+              </a:ext>
+            </a:extLst>
+          </p:cNvPr>
+          <p:cNvPicPr>
+            <a:picLocks noChangeAspect="1"/>
+          </p:cNvPicPr>
+          <p:nvPr/>
+        </p:nvPicPr>
+        <p:blipFill>
+          <a:blip r:embed="rId3"/>
+          <a:stretch>
+            <a:fillRect/>
+          </a:stretch>
+        </p:blipFill>
+        <p:spPr>
+          <a:xfrm>
+            <a:off x="5097016" y="818665"/>
+            <a:ext cx="3084547" cy="2771883"/>
+          </a:xfrm>
+          <a:prstGeom prst="rect">
+            <a:avLst/>
+          </a:prstGeom>
+        </p:spPr>
+      </p:pic>
+      <p:pic>
+        <p:nvPicPr>
+          <p:cNvPr id="7" name="그림 6">
+            <a:extLst>
+              <a:ext uri="{FF2B5EF4-FFF2-40B4-BE49-F238E27FC236}">
+                <a16:creationId xmlns:a16="http://schemas.microsoft.com/office/drawing/2014/main" id="{BF39B461-BF13-BC57-9A5C-5FAC93C705D1}"/>
+              </a:ext>
+            </a:extLst>
+          </p:cNvPr>
+          <p:cNvPicPr>
+            <a:picLocks noChangeAspect="1"/>
+          </p:cNvPicPr>
+          <p:nvPr/>
+        </p:nvPicPr>
+        <p:blipFill>
+          <a:blip r:embed="rId4"/>
+          <a:stretch>
+            <a:fillRect/>
+          </a:stretch>
+        </p:blipFill>
+        <p:spPr>
+          <a:xfrm>
+            <a:off x="755342" y="2920344"/>
+            <a:ext cx="4591784" cy="3100944"/>
+          </a:xfrm>
+          <a:prstGeom prst="rect">
+            <a:avLst/>
+          </a:prstGeom>
+        </p:spPr>
+      </p:pic>
+      <p:pic>
+        <p:nvPicPr>
+          <p:cNvPr id="9" name="그림 8">
+            <a:extLst>
+              <a:ext uri="{FF2B5EF4-FFF2-40B4-BE49-F238E27FC236}">
+                <a16:creationId xmlns:a16="http://schemas.microsoft.com/office/drawing/2014/main" id="{CA497F1F-E38F-BFDD-6E25-C13D7C3B87F5}"/>
+              </a:ext>
+            </a:extLst>
+          </p:cNvPr>
+          <p:cNvPicPr>
+            <a:picLocks noChangeAspect="1"/>
+          </p:cNvPicPr>
+          <p:nvPr/>
+        </p:nvPicPr>
+        <p:blipFill>
+          <a:blip r:embed="rId5"/>
+          <a:stretch>
+            <a:fillRect/>
+          </a:stretch>
+        </p:blipFill>
+        <p:spPr>
+          <a:xfrm>
+            <a:off x="6326399" y="2204606"/>
+            <a:ext cx="3258005" cy="4420217"/>
+          </a:xfrm>
+          <a:prstGeom prst="rect">
+            <a:avLst/>
+          </a:prstGeom>
+        </p:spPr>
+      </p:pic>
+    </p:spTree>
+    <p:extLst>
+      <p:ext uri="{BB962C8B-B14F-4D97-AF65-F5344CB8AC3E}">
+        <p14:creationId xmlns:p14="http://schemas.microsoft.com/office/powerpoint/2010/main" val="401033161"/>
+      </p:ext>
+    </p:extLst>
+  </p:cSld>
+  <p:clrMapOvr>
+    <a:masterClrMapping/>
+  </p:clrMapOvr>
+</p:sld>
+</file>
+
+<file path=ppt/slides/slide13.xml><?xml version="1.0" encoding="utf-8"?>
+<p:sld xmlns:a="http://schemas.openxmlformats.org/drawingml/2006/main" xmlns:r="http://schemas.openxmlformats.org/officeDocument/2006/relationships" xmlns:p="http://schemas.openxmlformats.org/presentationml/2006/main">
+  <p:cSld>
+    <p:spTree>
+      <p:nvGrpSpPr>
+        <p:cNvPr id="1" name=""/>
+        <p:cNvGrpSpPr/>
+        <p:nvPr/>
+      </p:nvGrpSpPr>
+      <p:grpSpPr>
+        <a:xfrm>
+          <a:off x="0" y="0"/>
+          <a:ext cx="0" cy="0"/>
+          <a:chOff x="0" y="0"/>
+          <a:chExt cx="0" cy="0"/>
+        </a:xfrm>
+      </p:grpSpPr>
+      <p:pic>
+        <p:nvPicPr>
           <p:cNvPr id="8" name="그림 7">
             <a:extLst>
               <a:ext uri="{FF2B5EF4-FFF2-40B4-BE49-F238E27FC236}">
-                <a16:creationId xmlns="" xmlns:a16="http://schemas.microsoft.com/office/drawing/2014/main" id="{48DDCB22-BEB4-EF30-F984-156744507DBC}"/>
+                <a16:creationId xmlns:a16="http://schemas.microsoft.com/office/drawing/2014/main" id="{48DDCB22-BEB4-EF30-F984-156744507DBC}"/>
               </a:ext>
             </a:extLst>
           </p:cNvPr>
@@ -3850,7 +3970,7 @@
           <p:cNvPr id="11" name="그림 10">
             <a:extLst>
               <a:ext uri="{FF2B5EF4-FFF2-40B4-BE49-F238E27FC236}">
-                <a16:creationId xmlns="" xmlns:a16="http://schemas.microsoft.com/office/drawing/2014/main" id="{77638400-26A1-B001-6201-4CAE58AB72A6}"/>
+                <a16:creationId xmlns:a16="http://schemas.microsoft.com/office/drawing/2014/main" id="{77638400-26A1-B001-6201-4CAE58AB72A6}"/>
               </a:ext>
             </a:extLst>
           </p:cNvPr>
@@ -3880,7 +4000,7 @@
           <p:cNvPr id="15" name="그림 14">
             <a:extLst>
               <a:ext uri="{FF2B5EF4-FFF2-40B4-BE49-F238E27FC236}">
-                <a16:creationId xmlns="" xmlns:a16="http://schemas.microsoft.com/office/drawing/2014/main" id="{611D4536-3241-3B88-E2F0-D14FC09444CB}"/>
+                <a16:creationId xmlns:a16="http://schemas.microsoft.com/office/drawing/2014/main" id="{611D4536-3241-3B88-E2F0-D14FC09444CB}"/>
               </a:ext>
             </a:extLst>
           </p:cNvPr>
@@ -3910,7 +4030,7 @@
           <p:cNvPr id="17" name="그림 16">
             <a:extLst>
               <a:ext uri="{FF2B5EF4-FFF2-40B4-BE49-F238E27FC236}">
-                <a16:creationId xmlns="" xmlns:a16="http://schemas.microsoft.com/office/drawing/2014/main" id="{CF6EEBBB-E822-2CEB-7FEB-ECD331010212}"/>
+                <a16:creationId xmlns:a16="http://schemas.microsoft.com/office/drawing/2014/main" id="{CF6EEBBB-E822-2CEB-7FEB-ECD331010212}"/>
               </a:ext>
             </a:extLst>
           </p:cNvPr>
@@ -3938,7 +4058,7 @@
     </p:spTree>
     <p:extLst>
       <p:ext uri="{BB962C8B-B14F-4D97-AF65-F5344CB8AC3E}">
-        <p14:creationId xmlns="" xmlns:p14="http://schemas.microsoft.com/office/powerpoint/2010/main" val="1135945150"/>
+        <p14:creationId xmlns:p14="http://schemas.microsoft.com/office/powerpoint/2010/main" val="1135945150"/>
       </p:ext>
     </p:extLst>
   </p:cSld>
@@ -4022,23 +4142,19 @@
           <a:p>
             <a:pPr algn="just"/>
             <a:r>
-              <a:rPr lang="en-US" altLang="ko-KR" sz="2000" b="1" dirty="0" smtClean="0">
+              <a:rPr lang="en-US" altLang="ko-KR" sz="2000" b="1" dirty="0">
                 <a:latin typeface="나눔고딕" pitchFamily="50" charset="-127"/>
                 <a:ea typeface="나눔고딕" pitchFamily="50" charset="-127"/>
               </a:rPr>
               <a:t>1. </a:t>
             </a:r>
             <a:r>
-              <a:rPr lang="ko-KR" altLang="en-US" sz="2000" b="1" dirty="0" smtClean="0">
+              <a:rPr lang="ko-KR" altLang="en-US" sz="2000" b="1" dirty="0">
                 <a:latin typeface="나눔고딕" pitchFamily="50" charset="-127"/>
                 <a:ea typeface="나눔고딕" pitchFamily="50" charset="-127"/>
               </a:rPr>
               <a:t>배경 및 목적</a:t>
             </a:r>
-            <a:endParaRPr lang="ko-KR" altLang="en-US" sz="2000" b="1" dirty="0">
-              <a:latin typeface="나눔고딕" pitchFamily="50" charset="-127"/>
-              <a:ea typeface="나눔고딕" pitchFamily="50" charset="-127"/>
-            </a:endParaRPr>
           </a:p>
         </p:txBody>
       </p:sp>
@@ -4070,40 +4186,29 @@
                 <a:latin typeface="나눔고딕" pitchFamily="50" charset="-127"/>
                 <a:ea typeface="나눔고딕" pitchFamily="50" charset="-127"/>
               </a:rPr>
-              <a:t>2</a:t>
-            </a:r>
-            <a:r>
-              <a:rPr lang="en-US" altLang="ko-KR" sz="2000" b="1" dirty="0" smtClean="0">
-                <a:latin typeface="나눔고딕" pitchFamily="50" charset="-127"/>
-                <a:ea typeface="나눔고딕" pitchFamily="50" charset="-127"/>
-              </a:rPr>
-              <a:t>. </a:t>
-            </a:r>
-            <a:r>
-              <a:rPr lang="ko-KR" altLang="en-US" sz="2000" b="1" dirty="0" smtClean="0">
+              <a:t>2. </a:t>
+            </a:r>
+            <a:r>
+              <a:rPr lang="ko-KR" altLang="en-US" sz="2000" b="1" dirty="0">
                 <a:latin typeface="나눔고딕" pitchFamily="50" charset="-127"/>
                 <a:ea typeface="나눔고딕" pitchFamily="50" charset="-127"/>
               </a:rPr>
               <a:t>데이터 수집</a:t>
             </a:r>
             <a:r>
-              <a:rPr lang="en-US" altLang="ko-KR" sz="2000" b="1" dirty="0" smtClean="0">
+              <a:rPr lang="en-US" altLang="ko-KR" sz="2000" b="1" dirty="0">
                 <a:latin typeface="나눔고딕" pitchFamily="50" charset="-127"/>
                 <a:ea typeface="나눔고딕" pitchFamily="50" charset="-127"/>
               </a:rPr>
               <a:t>/</a:t>
             </a:r>
             <a:r>
-              <a:rPr lang="ko-KR" altLang="en-US" sz="2000" b="1" dirty="0" smtClean="0">
+              <a:rPr lang="ko-KR" altLang="en-US" sz="2000" b="1" dirty="0">
                 <a:latin typeface="나눔고딕" pitchFamily="50" charset="-127"/>
                 <a:ea typeface="나눔고딕" pitchFamily="50" charset="-127"/>
               </a:rPr>
               <a:t>전처리</a:t>
             </a:r>
-            <a:endParaRPr lang="ko-KR" altLang="en-US" sz="2000" b="1" dirty="0">
-              <a:latin typeface="나눔고딕" pitchFamily="50" charset="-127"/>
-              <a:ea typeface="나눔고딕" pitchFamily="50" charset="-127"/>
-            </a:endParaRPr>
           </a:p>
         </p:txBody>
       </p:sp>
@@ -4131,37 +4236,33 @@
           <a:p>
             <a:pPr algn="just"/>
             <a:r>
-              <a:rPr lang="en-US" altLang="ko-KR" sz="2000" b="1" dirty="0" smtClean="0">
+              <a:rPr lang="en-US" altLang="ko-KR" sz="2000" b="1" dirty="0">
                 <a:latin typeface="나눔고딕" pitchFamily="50" charset="-127"/>
                 <a:ea typeface="나눔고딕" pitchFamily="50" charset="-127"/>
               </a:rPr>
               <a:t>3. </a:t>
             </a:r>
             <a:r>
-              <a:rPr lang="ko-KR" altLang="en-US" sz="2000" b="1" dirty="0" smtClean="0">
+              <a:rPr lang="ko-KR" altLang="en-US" sz="2000" b="1" dirty="0">
                 <a:latin typeface="나눔고딕" pitchFamily="50" charset="-127"/>
                 <a:ea typeface="나눔고딕" pitchFamily="50" charset="-127"/>
               </a:rPr>
               <a:t>분석</a:t>
             </a:r>
             <a:r>
-              <a:rPr lang="en-US" altLang="ko-KR" sz="2000" b="1" dirty="0" smtClean="0">
+              <a:rPr lang="en-US" altLang="ko-KR" sz="2000" b="1" dirty="0">
                 <a:latin typeface="나눔고딕" pitchFamily="50" charset="-127"/>
                 <a:ea typeface="나눔고딕" pitchFamily="50" charset="-127"/>
               </a:rPr>
               <a:t>/</a:t>
             </a:r>
             <a:r>
-              <a:rPr lang="ko-KR" altLang="en-US" sz="2000" b="1" dirty="0" smtClean="0">
+              <a:rPr lang="ko-KR" altLang="en-US" sz="2000" b="1" dirty="0">
                 <a:latin typeface="나눔고딕" pitchFamily="50" charset="-127"/>
                 <a:ea typeface="나눔고딕" pitchFamily="50" charset="-127"/>
               </a:rPr>
               <a:t>해결</a:t>
             </a:r>
-            <a:endParaRPr lang="ko-KR" altLang="en-US" sz="2000" b="1" dirty="0">
-              <a:latin typeface="나눔고딕" pitchFamily="50" charset="-127"/>
-              <a:ea typeface="나눔고딕" pitchFamily="50" charset="-127"/>
-            </a:endParaRPr>
           </a:p>
         </p:txBody>
       </p:sp>
@@ -4189,23 +4290,19 @@
           <a:p>
             <a:pPr algn="just"/>
             <a:r>
-              <a:rPr lang="en-US" altLang="ko-KR" sz="2000" b="1" dirty="0" smtClean="0">
+              <a:rPr lang="en-US" altLang="ko-KR" sz="2000" b="1" dirty="0">
                 <a:latin typeface="나눔고딕" pitchFamily="50" charset="-127"/>
                 <a:ea typeface="나눔고딕" pitchFamily="50" charset="-127"/>
               </a:rPr>
               <a:t>4. </a:t>
             </a:r>
             <a:r>
-              <a:rPr lang="ko-KR" altLang="en-US" sz="2000" b="1" dirty="0" smtClean="0">
+              <a:rPr lang="ko-KR" altLang="en-US" sz="2000" b="1" dirty="0">
                 <a:latin typeface="나눔고딕" pitchFamily="50" charset="-127"/>
                 <a:ea typeface="나눔고딕" pitchFamily="50" charset="-127"/>
               </a:rPr>
               <a:t>결론</a:t>
             </a:r>
-            <a:endParaRPr lang="ko-KR" altLang="en-US" sz="2000" b="1" dirty="0">
-              <a:latin typeface="나눔고딕" pitchFamily="50" charset="-127"/>
-              <a:ea typeface="나눔고딕" pitchFamily="50" charset="-127"/>
-            </a:endParaRPr>
           </a:p>
         </p:txBody>
       </p:sp>
@@ -4237,13 +4334,13 @@
               </a:lnSpc>
             </a:pPr>
             <a:r>
-              <a:rPr lang="ko-KR" altLang="en-US" dirty="0" smtClean="0">
+              <a:rPr lang="ko-KR" altLang="en-US" dirty="0">
                 <a:latin typeface="나눔고딕" pitchFamily="50" charset="-127"/>
                 <a:ea typeface="나눔고딕" pitchFamily="50" charset="-127"/>
               </a:rPr>
               <a:t>연구 배경</a:t>
             </a:r>
-            <a:endParaRPr lang="en-US" altLang="ko-KR" dirty="0" smtClean="0">
+            <a:endParaRPr lang="en-US" altLang="ko-KR" dirty="0">
               <a:latin typeface="나눔고딕" pitchFamily="50" charset="-127"/>
               <a:ea typeface="나눔고딕" pitchFamily="50" charset="-127"/>
             </a:endParaRPr>
@@ -4255,16 +4352,12 @@
               </a:lnSpc>
             </a:pPr>
             <a:r>
-              <a:rPr lang="ko-KR" altLang="en-US" dirty="0" smtClean="0">
+              <a:rPr lang="ko-KR" altLang="en-US" dirty="0">
                 <a:latin typeface="나눔고딕" pitchFamily="50" charset="-127"/>
                 <a:ea typeface="나눔고딕" pitchFamily="50" charset="-127"/>
               </a:rPr>
               <a:t>연구 과제</a:t>
             </a:r>
-            <a:endParaRPr lang="ko-KR" altLang="en-US" dirty="0">
-              <a:latin typeface="나눔고딕" pitchFamily="50" charset="-127"/>
-              <a:ea typeface="나눔고딕" pitchFamily="50" charset="-127"/>
-            </a:endParaRPr>
           </a:p>
         </p:txBody>
       </p:sp>
@@ -4296,13 +4389,13 @@
               </a:lnSpc>
             </a:pPr>
             <a:r>
-              <a:rPr lang="ko-KR" altLang="en-US" dirty="0" smtClean="0">
+              <a:rPr lang="ko-KR" altLang="en-US" dirty="0">
                 <a:latin typeface="나눔고딕" pitchFamily="50" charset="-127"/>
                 <a:ea typeface="나눔고딕" pitchFamily="50" charset="-127"/>
               </a:rPr>
               <a:t>데이터 수집</a:t>
             </a:r>
-            <a:endParaRPr lang="en-US" altLang="ko-KR" dirty="0" smtClean="0">
+            <a:endParaRPr lang="en-US" altLang="ko-KR" dirty="0">
               <a:latin typeface="나눔고딕" pitchFamily="50" charset="-127"/>
               <a:ea typeface="나눔고딕" pitchFamily="50" charset="-127"/>
             </a:endParaRPr>
@@ -4314,16 +4407,12 @@
               </a:lnSpc>
             </a:pPr>
             <a:r>
-              <a:rPr lang="ko-KR" altLang="en-US" dirty="0" smtClean="0">
+              <a:rPr lang="ko-KR" altLang="en-US" dirty="0">
                 <a:latin typeface="나눔고딕" pitchFamily="50" charset="-127"/>
                 <a:ea typeface="나눔고딕" pitchFamily="50" charset="-127"/>
               </a:rPr>
               <a:t>데이터 전처리</a:t>
             </a:r>
-            <a:endParaRPr lang="ko-KR" altLang="en-US" dirty="0">
-              <a:latin typeface="나눔고딕" pitchFamily="50" charset="-127"/>
-              <a:ea typeface="나눔고딕" pitchFamily="50" charset="-127"/>
-            </a:endParaRPr>
           </a:p>
         </p:txBody>
       </p:sp>
@@ -4355,13 +4444,13 @@
               </a:lnSpc>
             </a:pPr>
             <a:r>
-              <a:rPr lang="ko-KR" altLang="en-US" dirty="0" smtClean="0">
+              <a:rPr lang="ko-KR" altLang="en-US" dirty="0">
                 <a:latin typeface="나눔고딕" pitchFamily="50" charset="-127"/>
                 <a:ea typeface="나눔고딕" pitchFamily="50" charset="-127"/>
               </a:rPr>
               <a:t>데이터 분석</a:t>
             </a:r>
-            <a:endParaRPr lang="en-US" altLang="ko-KR" dirty="0" smtClean="0">
+            <a:endParaRPr lang="en-US" altLang="ko-KR" dirty="0">
               <a:latin typeface="나눔고딕" pitchFamily="50" charset="-127"/>
               <a:ea typeface="나눔고딕" pitchFamily="50" charset="-127"/>
             </a:endParaRPr>
@@ -4373,20 +4462,20 @@
               </a:lnSpc>
             </a:pPr>
             <a:r>
-              <a:rPr lang="ko-KR" altLang="en-US" dirty="0" err="1" smtClean="0">
+              <a:rPr lang="ko-KR" altLang="en-US" dirty="0" err="1">
                 <a:latin typeface="나눔고딕" pitchFamily="50" charset="-127"/>
                 <a:ea typeface="나눔고딕" pitchFamily="50" charset="-127"/>
               </a:rPr>
               <a:t>회귀식</a:t>
             </a:r>
             <a:r>
-              <a:rPr lang="ko-KR" altLang="en-US" dirty="0" smtClean="0">
+              <a:rPr lang="ko-KR" altLang="en-US" dirty="0">
                 <a:latin typeface="나눔고딕" pitchFamily="50" charset="-127"/>
                 <a:ea typeface="나눔고딕" pitchFamily="50" charset="-127"/>
               </a:rPr>
               <a:t> 추정</a:t>
             </a:r>
-            <a:endParaRPr lang="en-US" altLang="ko-KR" dirty="0" smtClean="0">
+            <a:endParaRPr lang="en-US" altLang="ko-KR" dirty="0">
               <a:latin typeface="나눔고딕" pitchFamily="50" charset="-127"/>
               <a:ea typeface="나눔고딕" pitchFamily="50" charset="-127"/>
             </a:endParaRPr>
@@ -4398,30 +4487,26 @@
               </a:lnSpc>
             </a:pPr>
             <a:r>
-              <a:rPr lang="ko-KR" altLang="en-US" dirty="0" smtClean="0">
+              <a:rPr lang="ko-KR" altLang="en-US" dirty="0">
                 <a:latin typeface="나눔고딕" pitchFamily="50" charset="-127"/>
                 <a:ea typeface="나눔고딕" pitchFamily="50" charset="-127"/>
               </a:rPr>
               <a:t>예측</a:t>
             </a:r>
             <a:r>
-              <a:rPr lang="en-US" altLang="ko-KR" dirty="0" smtClean="0">
+              <a:rPr lang="en-US" altLang="ko-KR" dirty="0">
                 <a:latin typeface="나눔고딕" pitchFamily="50" charset="-127"/>
                 <a:ea typeface="나눔고딕" pitchFamily="50" charset="-127"/>
               </a:rPr>
               <a:t> </a:t>
             </a:r>
             <a:r>
-              <a:rPr lang="ko-KR" altLang="en-US" dirty="0" smtClean="0">
+              <a:rPr lang="ko-KR" altLang="en-US" dirty="0">
                 <a:latin typeface="나눔고딕" pitchFamily="50" charset="-127"/>
                 <a:ea typeface="나눔고딕" pitchFamily="50" charset="-127"/>
               </a:rPr>
               <a:t>및 평가</a:t>
             </a:r>
-            <a:endParaRPr lang="ko-KR" altLang="en-US" dirty="0">
-              <a:latin typeface="나눔고딕" pitchFamily="50" charset="-127"/>
-              <a:ea typeface="나눔고딕" pitchFamily="50" charset="-127"/>
-            </a:endParaRPr>
           </a:p>
         </p:txBody>
       </p:sp>
@@ -4453,13 +4538,13 @@
               </a:lnSpc>
             </a:pPr>
             <a:r>
-              <a:rPr lang="ko-KR" altLang="en-US" dirty="0" smtClean="0">
+              <a:rPr lang="ko-KR" altLang="en-US" dirty="0">
                 <a:latin typeface="나눔고딕" pitchFamily="50" charset="-127"/>
                 <a:ea typeface="나눔고딕" pitchFamily="50" charset="-127"/>
               </a:rPr>
               <a:t>기대효과</a:t>
             </a:r>
-            <a:endParaRPr lang="en-US" altLang="ko-KR" dirty="0" smtClean="0">
+            <a:endParaRPr lang="en-US" altLang="ko-KR" dirty="0">
               <a:latin typeface="나눔고딕" pitchFamily="50" charset="-127"/>
               <a:ea typeface="나눔고딕" pitchFamily="50" charset="-127"/>
             </a:endParaRPr>
@@ -4471,16 +4556,12 @@
               </a:lnSpc>
             </a:pPr>
             <a:r>
-              <a:rPr lang="ko-KR" altLang="en-US" dirty="0" smtClean="0">
+              <a:rPr lang="ko-KR" altLang="en-US" dirty="0">
                 <a:latin typeface="나눔고딕" pitchFamily="50" charset="-127"/>
                 <a:ea typeface="나눔고딕" pitchFamily="50" charset="-127"/>
               </a:rPr>
               <a:t>추후 과제</a:t>
             </a:r>
-            <a:endParaRPr lang="ko-KR" altLang="en-US" dirty="0">
-              <a:latin typeface="나눔고딕" pitchFamily="50" charset="-127"/>
-              <a:ea typeface="나눔고딕" pitchFamily="50" charset="-127"/>
-            </a:endParaRPr>
           </a:p>
         </p:txBody>
       </p:sp>
@@ -4489,13 +4570,6 @@
   <p:clrMapOvr>
     <a:masterClrMapping/>
   </p:clrMapOvr>
-  <p:timing>
-    <p:tnLst>
-      <p:par>
-        <p:cTn id="1" dur="indefinite" restart="never" nodeType="tmRoot"/>
-      </p:par>
-    </p:tnLst>
-  </p:timing>
 </p:sld>
 </file>
 
@@ -4521,7 +4595,7 @@
           <p:cNvPr id="18" name="TextBox 17">
             <a:extLst>
               <a:ext uri="{FF2B5EF4-FFF2-40B4-BE49-F238E27FC236}">
-                <a16:creationId xmlns="" xmlns:a16="http://schemas.microsoft.com/office/drawing/2014/main" id="{28AC5F25-9556-4BEE-2F59-61E0CBE78643}"/>
+                <a16:creationId xmlns:a16="http://schemas.microsoft.com/office/drawing/2014/main" id="{28AC5F25-9556-4BEE-2F59-61E0CBE78643}"/>
               </a:ext>
             </a:extLst>
           </p:cNvPr>
@@ -4608,7 +4682,7 @@
           <p:cNvPr id="19" name="TextBox 18">
             <a:extLst>
               <a:ext uri="{FF2B5EF4-FFF2-40B4-BE49-F238E27FC236}">
-                <a16:creationId xmlns="" xmlns:a16="http://schemas.microsoft.com/office/drawing/2014/main" id="{8BD96D36-E763-3756-FA0A-9DB4A17E4789}"/>
+                <a16:creationId xmlns:a16="http://schemas.microsoft.com/office/drawing/2014/main" id="{8BD96D36-E763-3756-FA0A-9DB4A17E4789}"/>
               </a:ext>
             </a:extLst>
           </p:cNvPr>
@@ -4667,7 +4741,7 @@
           <p:cNvPr id="20" name="TextBox 19">
             <a:extLst>
               <a:ext uri="{FF2B5EF4-FFF2-40B4-BE49-F238E27FC236}">
-                <a16:creationId xmlns="" xmlns:a16="http://schemas.microsoft.com/office/drawing/2014/main" id="{126F3E5F-295F-D747-FEB4-ADAD7637FEF4}"/>
+                <a16:creationId xmlns:a16="http://schemas.microsoft.com/office/drawing/2014/main" id="{126F3E5F-295F-D747-FEB4-ADAD7637FEF4}"/>
               </a:ext>
             </a:extLst>
           </p:cNvPr>
@@ -4747,7 +4821,7 @@
           <p:cNvPr id="24" name="그림 23">
             <a:extLst>
               <a:ext uri="{FF2B5EF4-FFF2-40B4-BE49-F238E27FC236}">
-                <a16:creationId xmlns="" xmlns:a16="http://schemas.microsoft.com/office/drawing/2014/main" id="{2FD61333-BC7D-7249-EE12-4356B6ADE574}"/>
+                <a16:creationId xmlns:a16="http://schemas.microsoft.com/office/drawing/2014/main" id="{2FD61333-BC7D-7249-EE12-4356B6ADE574}"/>
               </a:ext>
             </a:extLst>
           </p:cNvPr>
@@ -4777,7 +4851,7 @@
           <p:cNvPr id="28" name="그룹 27">
             <a:extLst>
               <a:ext uri="{FF2B5EF4-FFF2-40B4-BE49-F238E27FC236}">
-                <a16:creationId xmlns="" xmlns:a16="http://schemas.microsoft.com/office/drawing/2014/main" id="{1CAD2912-7F70-2AFD-3719-5C71421BFBAC}"/>
+                <a16:creationId xmlns:a16="http://schemas.microsoft.com/office/drawing/2014/main" id="{1CAD2912-7F70-2AFD-3719-5C71421BFBAC}"/>
               </a:ext>
             </a:extLst>
           </p:cNvPr>
@@ -4797,7 +4871,7 @@
             <p:cNvPr id="26" name="그림 25">
               <a:extLst>
                 <a:ext uri="{FF2B5EF4-FFF2-40B4-BE49-F238E27FC236}">
-                  <a16:creationId xmlns="" xmlns:a16="http://schemas.microsoft.com/office/drawing/2014/main" id="{340D8197-757B-A089-53F5-C6C72030F796}"/>
+                  <a16:creationId xmlns:a16="http://schemas.microsoft.com/office/drawing/2014/main" id="{340D8197-757B-A089-53F5-C6C72030F796}"/>
                 </a:ext>
               </a:extLst>
             </p:cNvPr>
@@ -4826,7 +4900,7 @@
             <p:cNvPr id="27" name="그림 26">
               <a:extLst>
                 <a:ext uri="{FF2B5EF4-FFF2-40B4-BE49-F238E27FC236}">
-                  <a16:creationId xmlns="" xmlns:a16="http://schemas.microsoft.com/office/drawing/2014/main" id="{B50FF556-10C3-27EE-9EA1-F9B466FD2420}"/>
+                  <a16:creationId xmlns:a16="http://schemas.microsoft.com/office/drawing/2014/main" id="{B50FF556-10C3-27EE-9EA1-F9B466FD2420}"/>
                 </a:ext>
               </a:extLst>
             </p:cNvPr>
@@ -4856,13 +4930,6 @@
   <p:clrMapOvr>
     <a:masterClrMapping/>
   </p:clrMapOvr>
-  <p:timing>
-    <p:tnLst>
-      <p:par>
-        <p:cTn id="1" dur="indefinite" restart="never" nodeType="tmRoot"/>
-      </p:par>
-    </p:tnLst>
-  </p:timing>
 </p:sld>
 </file>
 
@@ -4926,16 +4993,12 @@
           <a:p>
             <a:pPr algn="ctr"/>
             <a:r>
-              <a:rPr lang="ko-KR" altLang="en-US" sz="1400" b="1" dirty="0" smtClean="0">
+              <a:rPr lang="ko-KR" altLang="en-US" sz="1400" b="1" dirty="0">
                 <a:latin typeface="나눔고딕" pitchFamily="50" charset="-127"/>
                 <a:ea typeface="나눔고딕" pitchFamily="50" charset="-127"/>
               </a:rPr>
               <a:t>데이터 수집</a:t>
             </a:r>
-            <a:endParaRPr lang="ko-KR" altLang="en-US" sz="1400" b="1" dirty="0">
-              <a:latin typeface="나눔고딕" pitchFamily="50" charset="-127"/>
-              <a:ea typeface="나눔고딕" pitchFamily="50" charset="-127"/>
-            </a:endParaRPr>
           </a:p>
         </p:txBody>
       </p:sp>
@@ -5059,56 +5122,56 @@
               <a:p>
                 <a:pPr algn="ctr"/>
                 <a:r>
-                  <a:rPr lang="en-US" altLang="ko-KR" b="1" dirty="0" err="1" smtClean="0">
+                  <a:rPr lang="en-US" altLang="ko-KR" b="1" dirty="0" err="1">
                     <a:latin typeface="나눔고딕" pitchFamily="50" charset="-127"/>
                     <a:ea typeface="나눔고딕" pitchFamily="50" charset="-127"/>
                   </a:rPr>
                   <a:t>csv</a:t>
                 </a:r>
                 <a:r>
-                  <a:rPr lang="ko-KR" altLang="en-US" b="1" dirty="0" smtClean="0">
+                  <a:rPr lang="ko-KR" altLang="en-US" b="1" dirty="0">
                     <a:latin typeface="나눔고딕" pitchFamily="50" charset="-127"/>
                     <a:ea typeface="나눔고딕" pitchFamily="50" charset="-127"/>
                   </a:rPr>
                   <a:t>파일</a:t>
                 </a:r>
                 <a:r>
-                  <a:rPr lang="en-US" altLang="ko-KR" b="1" dirty="0" smtClean="0">
+                  <a:rPr lang="en-US" altLang="ko-KR" b="1" dirty="0">
                     <a:latin typeface="나눔고딕" pitchFamily="50" charset="-127"/>
                     <a:ea typeface="나눔고딕" pitchFamily="50" charset="-127"/>
                   </a:rPr>
                   <a:t>(BGF </a:t>
                 </a:r>
                 <a:r>
-                  <a:rPr lang="ko-KR" altLang="en-US" b="1" dirty="0" err="1" smtClean="0">
+                  <a:rPr lang="ko-KR" altLang="en-US" b="1" dirty="0" err="1">
                     <a:latin typeface="나눔고딕" pitchFamily="50" charset="-127"/>
                     <a:ea typeface="나눔고딕" pitchFamily="50" charset="-127"/>
                   </a:rPr>
                   <a:t>리테일</a:t>
                 </a:r>
                 <a:r>
-                  <a:rPr lang="en-US" altLang="ko-KR" b="1" dirty="0" smtClean="0">
+                  <a:rPr lang="en-US" altLang="ko-KR" b="1" dirty="0">
                     <a:latin typeface="나눔고딕" pitchFamily="50" charset="-127"/>
                     <a:ea typeface="나눔고딕" pitchFamily="50" charset="-127"/>
                   </a:rPr>
                   <a:t> </a:t>
                 </a:r>
                 <a:r>
-                  <a:rPr lang="ko-KR" altLang="en-US" b="1" dirty="0" smtClean="0">
+                  <a:rPr lang="ko-KR" altLang="en-US" b="1" dirty="0">
                     <a:latin typeface="나눔고딕" pitchFamily="50" charset="-127"/>
                     <a:ea typeface="나눔고딕" pitchFamily="50" charset="-127"/>
                   </a:rPr>
                   <a:t>본사 </a:t>
                 </a:r>
                 <a:r>
-                  <a:rPr lang="ko-KR" altLang="en-US" b="1" dirty="0" err="1" smtClean="0">
+                  <a:rPr lang="ko-KR" altLang="en-US" b="1" dirty="0" err="1">
                     <a:latin typeface="나눔고딕" pitchFamily="50" charset="-127"/>
                     <a:ea typeface="나눔고딕" pitchFamily="50" charset="-127"/>
                   </a:rPr>
                   <a:t>업업팀</a:t>
                 </a:r>
                 <a:r>
-                  <a:rPr lang="en-US" altLang="ko-KR" b="1" dirty="0" smtClean="0">
+                  <a:rPr lang="en-US" altLang="ko-KR" b="1" dirty="0">
                     <a:latin typeface="나눔고딕" pitchFamily="50" charset="-127"/>
                     <a:ea typeface="나눔고딕" pitchFamily="50" charset="-127"/>
                   </a:rPr>
@@ -5203,7 +5266,7 @@
               <a:lstStyle/>
               <a:p>
                 <a:r>
-                  <a:rPr lang="ko-KR" altLang="en-US" sz="1100" b="1" dirty="0" err="1" smtClean="0">
+                  <a:rPr lang="ko-KR" altLang="en-US" sz="1100" b="1" dirty="0" err="1">
                     <a:latin typeface="나눔고딕" pitchFamily="50" charset="-127"/>
                     <a:ea typeface="나눔고딕" pitchFamily="50" charset="-127"/>
                   </a:rPr>
@@ -5298,16 +5361,12 @@
               <a:lstStyle/>
               <a:p>
                 <a:r>
-                  <a:rPr lang="ko-KR" altLang="en-US" sz="1100" b="1" dirty="0" smtClean="0">
+                  <a:rPr lang="ko-KR" altLang="en-US" sz="1100" b="1" dirty="0">
                     <a:latin typeface="나눔고딕" pitchFamily="50" charset="-127"/>
                     <a:ea typeface="나눔고딕" pitchFamily="50" charset="-127"/>
                   </a:rPr>
                   <a:t>판매량</a:t>
                 </a:r>
-                <a:endParaRPr lang="ko-KR" altLang="en-US" sz="1100" b="1" dirty="0">
-                  <a:latin typeface="나눔고딕" pitchFamily="50" charset="-127"/>
-                  <a:ea typeface="나눔고딕" pitchFamily="50" charset="-127"/>
-                </a:endParaRPr>
               </a:p>
             </p:txBody>
           </p:sp>
@@ -5393,16 +5452,12 @@
               <a:lstStyle/>
               <a:p>
                 <a:r>
-                  <a:rPr lang="ko-KR" altLang="en-US" sz="1100" b="1" dirty="0" smtClean="0">
+                  <a:rPr lang="ko-KR" altLang="en-US" sz="1100" b="1" dirty="0">
                     <a:latin typeface="나눔고딕" pitchFamily="50" charset="-127"/>
                     <a:ea typeface="나눔고딕" pitchFamily="50" charset="-127"/>
                   </a:rPr>
                   <a:t>판매가</a:t>
                 </a:r>
-                <a:endParaRPr lang="ko-KR" altLang="en-US" sz="1100" b="1" dirty="0">
-                  <a:latin typeface="나눔고딕" pitchFamily="50" charset="-127"/>
-                  <a:ea typeface="나눔고딕" pitchFamily="50" charset="-127"/>
-                </a:endParaRPr>
               </a:p>
             </p:txBody>
           </p:sp>
@@ -5488,16 +5543,12 @@
               <a:lstStyle/>
               <a:p>
                 <a:r>
-                  <a:rPr lang="ko-KR" altLang="en-US" sz="1100" b="1" dirty="0" smtClean="0">
+                  <a:rPr lang="ko-KR" altLang="en-US" sz="1100" b="1" dirty="0">
                     <a:latin typeface="나눔고딕" pitchFamily="50" charset="-127"/>
                     <a:ea typeface="나눔고딕" pitchFamily="50" charset="-127"/>
                   </a:rPr>
                   <a:t>영업일수</a:t>
                 </a:r>
-                <a:endParaRPr lang="ko-KR" altLang="en-US" sz="1100" b="1" dirty="0">
-                  <a:latin typeface="나눔고딕" pitchFamily="50" charset="-127"/>
-                  <a:ea typeface="나눔고딕" pitchFamily="50" charset="-127"/>
-                </a:endParaRPr>
               </a:p>
             </p:txBody>
           </p:sp>
@@ -5505,16 +5556,22 @@
       </p:grpSp>
       <p:grpSp>
         <p:nvGrpSpPr>
-          <p:cNvPr id="40" name="그룹 39"/>
+          <p:cNvPr id="3" name="그룹 2">
+            <a:extLst>
+              <a:ext uri="{FF2B5EF4-FFF2-40B4-BE49-F238E27FC236}">
+                <a16:creationId xmlns:a16="http://schemas.microsoft.com/office/drawing/2014/main" id="{490896BC-E389-FCFF-1AD2-7342CF948E31}"/>
+              </a:ext>
+            </a:extLst>
+          </p:cNvPr>
           <p:cNvGrpSpPr/>
           <p:nvPr/>
         </p:nvGrpSpPr>
         <p:grpSpPr>
           <a:xfrm>
-            <a:off x="1809728" y="3571876"/>
-            <a:ext cx="3929090" cy="2000264"/>
-            <a:chOff x="1809728" y="3571876"/>
-            <a:chExt cx="3929090" cy="2000264"/>
+            <a:off x="2952736" y="3571876"/>
+            <a:ext cx="5000660" cy="2000264"/>
+            <a:chOff x="2952736" y="3571876"/>
+            <a:chExt cx="5000660" cy="2000264"/>
           </a:xfrm>
         </p:grpSpPr>
         <p:grpSp>
@@ -5525,8 +5582,8 @@
           </p:nvGrpSpPr>
           <p:grpSpPr>
             <a:xfrm>
-              <a:off x="1809728" y="3571876"/>
-              <a:ext cx="3929090" cy="2000264"/>
+              <a:off x="2952736" y="3571876"/>
+              <a:ext cx="5000660" cy="2000264"/>
               <a:chOff x="2309794" y="1071546"/>
               <a:chExt cx="5000660" cy="2000264"/>
             </a:xfrm>
@@ -5623,35 +5680,35 @@
               <a:p>
                 <a:pPr algn="ctr"/>
                 <a:r>
-                  <a:rPr lang="en-US" altLang="ko-KR" b="1" dirty="0" err="1" smtClean="0">
+                  <a:rPr lang="en-US" altLang="ko-KR" b="1" dirty="0" err="1">
                     <a:latin typeface="나눔고딕" pitchFamily="50" charset="-127"/>
                     <a:ea typeface="나눔고딕" pitchFamily="50" charset="-127"/>
                   </a:rPr>
                   <a:t>csv</a:t>
                 </a:r>
                 <a:r>
-                  <a:rPr lang="ko-KR" altLang="en-US" b="1" dirty="0" smtClean="0">
+                  <a:rPr lang="ko-KR" altLang="en-US" b="1" dirty="0">
                     <a:latin typeface="나눔고딕" pitchFamily="50" charset="-127"/>
                     <a:ea typeface="나눔고딕" pitchFamily="50" charset="-127"/>
                   </a:rPr>
                   <a:t>파일</a:t>
                 </a:r>
                 <a:r>
-                  <a:rPr lang="en-US" altLang="ko-KR" b="1" dirty="0" smtClean="0">
+                  <a:rPr lang="en-US" altLang="ko-KR" b="1" dirty="0">
                     <a:latin typeface="나눔고딕" pitchFamily="50" charset="-127"/>
                     <a:ea typeface="나눔고딕" pitchFamily="50" charset="-127"/>
                   </a:rPr>
                   <a:t>(</a:t>
                 </a:r>
                 <a:r>
-                  <a:rPr lang="ko-KR" altLang="en-US" b="1" dirty="0" smtClean="0">
+                  <a:rPr lang="ko-KR" altLang="en-US" b="1" dirty="0">
                     <a:latin typeface="나눔고딕" pitchFamily="50" charset="-127"/>
                     <a:ea typeface="나눔고딕" pitchFamily="50" charset="-127"/>
                   </a:rPr>
                   <a:t>기상자료개방포털</a:t>
                 </a:r>
                 <a:r>
-                  <a:rPr lang="en-US" altLang="ko-KR" b="1" dirty="0" smtClean="0">
+                  <a:rPr lang="en-US" altLang="ko-KR" b="1" dirty="0">
                     <a:latin typeface="나눔고딕" pitchFamily="50" charset="-127"/>
                     <a:ea typeface="나눔고딕" pitchFamily="50" charset="-127"/>
                   </a:rPr>
@@ -5673,7 +5730,7 @@
           </p:nvGrpSpPr>
           <p:grpSpPr>
             <a:xfrm>
-              <a:off x="2276105" y="3881770"/>
+              <a:off x="3578519" y="3881770"/>
               <a:ext cx="819507" cy="1118866"/>
               <a:chOff x="6453198" y="1714488"/>
               <a:chExt cx="819507" cy="1118866"/>
@@ -5746,16 +5803,12 @@
               <a:lstStyle/>
               <a:p>
                 <a:r>
-                  <a:rPr lang="ko-KR" altLang="en-US" sz="1100" b="1" dirty="0" smtClean="0">
+                  <a:rPr lang="ko-KR" altLang="en-US" sz="1100" b="1" dirty="0">
                     <a:latin typeface="나눔고딕" pitchFamily="50" charset="-127"/>
                     <a:ea typeface="나눔고딕" pitchFamily="50" charset="-127"/>
                   </a:rPr>
                   <a:t>최고 기온</a:t>
                 </a:r>
-                <a:endParaRPr lang="ko-KR" altLang="en-US" sz="1100" b="1" dirty="0">
-                  <a:latin typeface="나눔고딕" pitchFamily="50" charset="-127"/>
-                  <a:ea typeface="나눔고딕" pitchFamily="50" charset="-127"/>
-                </a:endParaRPr>
               </a:p>
             </p:txBody>
           </p:sp>
@@ -5768,7 +5821,7 @@
           </p:nvGrpSpPr>
           <p:grpSpPr>
             <a:xfrm>
-              <a:off x="3347675" y="3881770"/>
+              <a:off x="5006139" y="3881770"/>
               <a:ext cx="819507" cy="1118866"/>
               <a:chOff x="6453198" y="1714488"/>
               <a:chExt cx="819507" cy="1118866"/>
@@ -5841,16 +5894,12 @@
               <a:lstStyle/>
               <a:p>
                 <a:r>
-                  <a:rPr lang="ko-KR" altLang="en-US" sz="1100" b="1" dirty="0" smtClean="0">
+                  <a:rPr lang="ko-KR" altLang="en-US" sz="1100" b="1" dirty="0">
                     <a:latin typeface="나눔고딕" pitchFamily="50" charset="-127"/>
                     <a:ea typeface="나눔고딕" pitchFamily="50" charset="-127"/>
                   </a:rPr>
                   <a:t>강우일수</a:t>
                 </a:r>
-                <a:endParaRPr lang="ko-KR" altLang="en-US" sz="1100" b="1" dirty="0">
-                  <a:latin typeface="나눔고딕" pitchFamily="50" charset="-127"/>
-                  <a:ea typeface="나눔고딕" pitchFamily="50" charset="-127"/>
-                </a:endParaRPr>
               </a:p>
             </p:txBody>
           </p:sp>
@@ -5863,7 +5912,7 @@
           </p:nvGrpSpPr>
           <p:grpSpPr>
             <a:xfrm>
-              <a:off x="4419245" y="3881770"/>
+              <a:off x="6437749" y="3881770"/>
               <a:ext cx="819507" cy="1118866"/>
               <a:chOff x="6453198" y="1714488"/>
               <a:chExt cx="819507" cy="1118866"/>
@@ -5936,30 +5985,12 @@
               <a:lstStyle/>
               <a:p>
                 <a:r>
-                  <a:rPr lang="ko-KR" altLang="en-US" sz="1100" b="1" dirty="0" smtClean="0">
+                  <a:rPr lang="ko-KR" altLang="en-US" sz="1100" b="1" dirty="0">
                     <a:latin typeface="나눔고딕" pitchFamily="50" charset="-127"/>
                     <a:ea typeface="나눔고딕" pitchFamily="50" charset="-127"/>
                   </a:rPr>
-                  <a:t>황사</a:t>
+                  <a:t>황사일수</a:t>
                 </a:r>
-                <a:r>
-                  <a:rPr lang="ko-KR" altLang="en-US" sz="1100" b="1" dirty="0" smtClean="0">
-                    <a:latin typeface="나눔고딕" pitchFamily="50" charset="-127"/>
-                    <a:ea typeface="나눔고딕" pitchFamily="50" charset="-127"/>
-                  </a:rPr>
-                  <a:t>일</a:t>
-                </a:r>
-                <a:r>
-                  <a:rPr lang="ko-KR" altLang="en-US" sz="1100" b="1" dirty="0" smtClean="0">
-                    <a:latin typeface="나눔고딕" pitchFamily="50" charset="-127"/>
-                    <a:ea typeface="나눔고딕" pitchFamily="50" charset="-127"/>
-                  </a:rPr>
-                  <a:t>수</a:t>
-                </a:r>
-                <a:endParaRPr lang="ko-KR" altLang="en-US" sz="1100" b="1" dirty="0">
-                  <a:latin typeface="나눔고딕" pitchFamily="50" charset="-127"/>
-                  <a:ea typeface="나눔고딕" pitchFamily="50" charset="-127"/>
-                </a:endParaRPr>
               </a:p>
             </p:txBody>
           </p:sp>
@@ -5970,17 +6001,355 @@
   <p:clrMapOvr>
     <a:masterClrMapping/>
   </p:clrMapOvr>
-  <p:timing>
-    <p:tnLst>
-      <p:par>
-        <p:cTn id="1" dur="indefinite" restart="never" nodeType="tmRoot"/>
-      </p:par>
-    </p:tnLst>
-  </p:timing>
 </p:sld>
 </file>
 
 <file path=ppt/slides/slide5.xml><?xml version="1.0" encoding="utf-8"?>
+<p:sld xmlns:a="http://schemas.openxmlformats.org/drawingml/2006/main" xmlns:r="http://schemas.openxmlformats.org/officeDocument/2006/relationships" xmlns:p="http://schemas.openxmlformats.org/presentationml/2006/main">
+  <p:cSld>
+    <p:spTree>
+      <p:nvGrpSpPr>
+        <p:cNvPr id="1" name=""/>
+        <p:cNvGrpSpPr/>
+        <p:nvPr/>
+      </p:nvGrpSpPr>
+      <p:grpSpPr>
+        <a:xfrm>
+          <a:off x="0" y="0"/>
+          <a:ext cx="0" cy="0"/>
+          <a:chOff x="0" y="0"/>
+          <a:chExt cx="0" cy="0"/>
+        </a:xfrm>
+      </p:grpSpPr>
+      <p:sp>
+        <p:nvSpPr>
+          <p:cNvPr id="2" name="타원 1"/>
+          <p:cNvSpPr/>
+          <p:nvPr/>
+        </p:nvSpPr>
+        <p:spPr>
+          <a:xfrm>
+            <a:off x="952472" y="1071546"/>
+            <a:ext cx="1000132" cy="1000132"/>
+          </a:xfrm>
+          <a:prstGeom prst="ellipse">
+            <a:avLst/>
+          </a:prstGeom>
+          <a:solidFill>
+            <a:schemeClr val="accent6"/>
+          </a:solidFill>
+          <a:ln>
+            <a:noFill/>
+          </a:ln>
+        </p:spPr>
+        <p:style>
+          <a:lnRef idx="2">
+            <a:schemeClr val="accent1">
+              <a:shade val="50000"/>
+            </a:schemeClr>
+          </a:lnRef>
+          <a:fillRef idx="1">
+            <a:schemeClr val="accent1"/>
+          </a:fillRef>
+          <a:effectRef idx="0">
+            <a:schemeClr val="accent1"/>
+          </a:effectRef>
+          <a:fontRef idx="minor">
+            <a:schemeClr val="lt1"/>
+          </a:fontRef>
+        </p:style>
+        <p:txBody>
+          <a:bodyPr rtlCol="0" anchor="ctr"/>
+          <a:lstStyle/>
+          <a:p>
+            <a:pPr algn="ctr"/>
+            <a:r>
+              <a:rPr lang="ko-KR" altLang="en-US" sz="1400" b="1" dirty="0">
+                <a:latin typeface="나눔고딕" pitchFamily="50" charset="-127"/>
+                <a:ea typeface="나눔고딕" pitchFamily="50" charset="-127"/>
+              </a:rPr>
+              <a:t>데이터 </a:t>
+            </a:r>
+            <a:r>
+              <a:rPr lang="ko-KR" altLang="en-US" sz="1400" b="1" dirty="0" err="1">
+                <a:latin typeface="나눔고딕" pitchFamily="50" charset="-127"/>
+                <a:ea typeface="나눔고딕" pitchFamily="50" charset="-127"/>
+              </a:rPr>
+              <a:t>전처리</a:t>
+            </a:r>
+            <a:endParaRPr lang="ko-KR" altLang="en-US" sz="1400" b="1" dirty="0">
+              <a:latin typeface="나눔고딕" pitchFamily="50" charset="-127"/>
+              <a:ea typeface="나눔고딕" pitchFamily="50" charset="-127"/>
+            </a:endParaRPr>
+          </a:p>
+        </p:txBody>
+      </p:sp>
+      <p:sp>
+        <p:nvSpPr>
+          <p:cNvPr id="18" name="TextBox 17">
+            <a:extLst>
+              <a:ext uri="{FF2B5EF4-FFF2-40B4-BE49-F238E27FC236}">
+                <a16:creationId xmlns:a16="http://schemas.microsoft.com/office/drawing/2014/main" id="{03113DBD-1E80-992A-AE11-7AAF33DC86B2}"/>
+              </a:ext>
+            </a:extLst>
+          </p:cNvPr>
+          <p:cNvSpPr txBox="1"/>
+          <p:nvPr/>
+        </p:nvSpPr>
+        <p:spPr>
+          <a:xfrm>
+            <a:off x="2024042" y="1340768"/>
+            <a:ext cx="6858048" cy="418576"/>
+          </a:xfrm>
+          <a:prstGeom prst="rect">
+            <a:avLst/>
+          </a:prstGeom>
+          <a:noFill/>
+        </p:spPr>
+        <p:txBody>
+          <a:bodyPr wrap="square" rtlCol="0" anchor="ctr">
+            <a:spAutoFit/>
+          </a:bodyPr>
+          <a:lstStyle/>
+          <a:p>
+            <a:pPr marL="360000" indent="-360000">
+              <a:lnSpc>
+                <a:spcPct val="150000"/>
+              </a:lnSpc>
+              <a:buFont typeface="Wingdings" pitchFamily="2" charset="2"/>
+              <a:buChar char="Ø"/>
+            </a:pPr>
+            <a:r>
+              <a:rPr lang="ko-KR" altLang="en-US" sz="1600" dirty="0" err="1">
+                <a:latin typeface="나눔고딕" pitchFamily="50" charset="-127"/>
+                <a:ea typeface="나눔고딕" pitchFamily="50" charset="-127"/>
+              </a:rPr>
+              <a:t>결측값</a:t>
+            </a:r>
+            <a:r>
+              <a:rPr lang="ko-KR" altLang="en-US" sz="1600" dirty="0">
+                <a:latin typeface="나눔고딕" pitchFamily="50" charset="-127"/>
+                <a:ea typeface="나눔고딕" pitchFamily="50" charset="-127"/>
+              </a:rPr>
+              <a:t> 확인</a:t>
+            </a:r>
+            <a:endParaRPr lang="en-US" altLang="ko-KR" sz="1600" dirty="0">
+              <a:latin typeface="나눔고딕" pitchFamily="50" charset="-127"/>
+              <a:ea typeface="나눔고딕" pitchFamily="50" charset="-127"/>
+            </a:endParaRPr>
+          </a:p>
+        </p:txBody>
+      </p:sp>
+      <p:sp>
+        <p:nvSpPr>
+          <p:cNvPr id="21" name="TextBox 20">
+            <a:extLst>
+              <a:ext uri="{FF2B5EF4-FFF2-40B4-BE49-F238E27FC236}">
+                <a16:creationId xmlns:a16="http://schemas.microsoft.com/office/drawing/2014/main" id="{3D85141E-86D0-AC38-F58E-4702FA9B0ADC}"/>
+              </a:ext>
+            </a:extLst>
+          </p:cNvPr>
+          <p:cNvSpPr txBox="1"/>
+          <p:nvPr/>
+        </p:nvSpPr>
+        <p:spPr>
+          <a:xfrm>
+            <a:off x="2024042" y="2348880"/>
+            <a:ext cx="6858048" cy="418576"/>
+          </a:xfrm>
+          <a:prstGeom prst="rect">
+            <a:avLst/>
+          </a:prstGeom>
+          <a:noFill/>
+        </p:spPr>
+        <p:txBody>
+          <a:bodyPr wrap="square" rtlCol="0" anchor="ctr">
+            <a:spAutoFit/>
+          </a:bodyPr>
+          <a:lstStyle/>
+          <a:p>
+            <a:pPr marL="360000" indent="-360000">
+              <a:lnSpc>
+                <a:spcPct val="150000"/>
+              </a:lnSpc>
+              <a:buFont typeface="Wingdings" pitchFamily="2" charset="2"/>
+              <a:buChar char="Ø"/>
+            </a:pPr>
+            <a:r>
+              <a:rPr lang="ko-KR" altLang="en-US" sz="1600" dirty="0">
+                <a:latin typeface="나눔고딕" pitchFamily="50" charset="-127"/>
+                <a:ea typeface="나눔고딕" pitchFamily="50" charset="-127"/>
+              </a:rPr>
+              <a:t>이상치 확인</a:t>
+            </a:r>
+            <a:endParaRPr lang="en-US" altLang="ko-KR" sz="1600" dirty="0">
+              <a:latin typeface="나눔고딕" pitchFamily="50" charset="-127"/>
+              <a:ea typeface="나눔고딕" pitchFamily="50" charset="-127"/>
+            </a:endParaRPr>
+          </a:p>
+        </p:txBody>
+      </p:sp>
+      <p:sp>
+        <p:nvSpPr>
+          <p:cNvPr id="24" name="TextBox 23">
+            <a:extLst>
+              <a:ext uri="{FF2B5EF4-FFF2-40B4-BE49-F238E27FC236}">
+                <a16:creationId xmlns:a16="http://schemas.microsoft.com/office/drawing/2014/main" id="{0AF1D1B3-12F7-4C84-ADE2-910A1FBB0E0E}"/>
+              </a:ext>
+            </a:extLst>
+          </p:cNvPr>
+          <p:cNvSpPr txBox="1"/>
+          <p:nvPr/>
+        </p:nvSpPr>
+        <p:spPr>
+          <a:xfrm>
+            <a:off x="2024042" y="3462681"/>
+            <a:ext cx="6858048" cy="418576"/>
+          </a:xfrm>
+          <a:prstGeom prst="rect">
+            <a:avLst/>
+          </a:prstGeom>
+          <a:noFill/>
+        </p:spPr>
+        <p:txBody>
+          <a:bodyPr wrap="square" rtlCol="0" anchor="ctr">
+            <a:spAutoFit/>
+          </a:bodyPr>
+          <a:lstStyle/>
+          <a:p>
+            <a:pPr marL="360000" indent="-360000">
+              <a:lnSpc>
+                <a:spcPct val="150000"/>
+              </a:lnSpc>
+              <a:buFont typeface="Wingdings" pitchFamily="2" charset="2"/>
+              <a:buChar char="Ø"/>
+            </a:pPr>
+            <a:r>
+              <a:rPr lang="ko-KR" altLang="en-US" sz="1600" dirty="0">
+                <a:latin typeface="나눔고딕" pitchFamily="50" charset="-127"/>
+                <a:ea typeface="나눔고딕" pitchFamily="50" charset="-127"/>
+              </a:rPr>
+              <a:t>판매일수로부터 편의점 수 추출</a:t>
+            </a:r>
+            <a:endParaRPr lang="en-US" altLang="ko-KR" sz="1600" dirty="0">
+              <a:latin typeface="나눔고딕" pitchFamily="50" charset="-127"/>
+              <a:ea typeface="나눔고딕" pitchFamily="50" charset="-127"/>
+            </a:endParaRPr>
+          </a:p>
+        </p:txBody>
+      </p:sp>
+      <p:sp>
+        <p:nvSpPr>
+          <p:cNvPr id="29" name="TextBox 28">
+            <a:extLst>
+              <a:ext uri="{FF2B5EF4-FFF2-40B4-BE49-F238E27FC236}">
+                <a16:creationId xmlns:a16="http://schemas.microsoft.com/office/drawing/2014/main" id="{31718640-E698-9946-2645-7E77075F053D}"/>
+              </a:ext>
+            </a:extLst>
+          </p:cNvPr>
+          <p:cNvSpPr txBox="1"/>
+          <p:nvPr/>
+        </p:nvSpPr>
+        <p:spPr>
+          <a:xfrm>
+            <a:off x="2024042" y="4450584"/>
+            <a:ext cx="6858048" cy="418576"/>
+          </a:xfrm>
+          <a:prstGeom prst="rect">
+            <a:avLst/>
+          </a:prstGeom>
+          <a:noFill/>
+        </p:spPr>
+        <p:txBody>
+          <a:bodyPr wrap="square" rtlCol="0" anchor="ctr">
+            <a:spAutoFit/>
+          </a:bodyPr>
+          <a:lstStyle/>
+          <a:p>
+            <a:pPr marL="360000" indent="-360000">
+              <a:lnSpc>
+                <a:spcPct val="150000"/>
+              </a:lnSpc>
+              <a:buFont typeface="Wingdings" pitchFamily="2" charset="2"/>
+              <a:buChar char="Ø"/>
+            </a:pPr>
+            <a:r>
+              <a:rPr lang="ko-KR" altLang="en-US" sz="1600" dirty="0">
+                <a:latin typeface="나눔고딕" pitchFamily="50" charset="-127"/>
+                <a:ea typeface="나눔고딕" pitchFamily="50" charset="-127"/>
+              </a:rPr>
+              <a:t>월별 매출금액 변수 생성</a:t>
+            </a:r>
+            <a:endParaRPr lang="en-US" altLang="ko-KR" sz="1600" dirty="0">
+              <a:latin typeface="나눔고딕" pitchFamily="50" charset="-127"/>
+              <a:ea typeface="나눔고딕" pitchFamily="50" charset="-127"/>
+            </a:endParaRPr>
+          </a:p>
+        </p:txBody>
+      </p:sp>
+      <p:sp>
+        <p:nvSpPr>
+          <p:cNvPr id="30" name="TextBox 29">
+            <a:extLst>
+              <a:ext uri="{FF2B5EF4-FFF2-40B4-BE49-F238E27FC236}">
+                <a16:creationId xmlns:a16="http://schemas.microsoft.com/office/drawing/2014/main" id="{D8C07B63-7CEC-54B7-8BA2-231CECB0710E}"/>
+              </a:ext>
+            </a:extLst>
+          </p:cNvPr>
+          <p:cNvSpPr txBox="1"/>
+          <p:nvPr/>
+        </p:nvSpPr>
+        <p:spPr>
+          <a:xfrm>
+            <a:off x="2024042" y="5517232"/>
+            <a:ext cx="6858048" cy="418576"/>
+          </a:xfrm>
+          <a:prstGeom prst="rect">
+            <a:avLst/>
+          </a:prstGeom>
+          <a:noFill/>
+        </p:spPr>
+        <p:txBody>
+          <a:bodyPr wrap="square" rtlCol="0" anchor="ctr">
+            <a:spAutoFit/>
+          </a:bodyPr>
+          <a:lstStyle/>
+          <a:p>
+            <a:pPr marL="360000" indent="-360000">
+              <a:lnSpc>
+                <a:spcPct val="150000"/>
+              </a:lnSpc>
+              <a:buFont typeface="Wingdings" pitchFamily="2" charset="2"/>
+              <a:buChar char="Ø"/>
+            </a:pPr>
+            <a:r>
+              <a:rPr lang="ko-KR" altLang="en-US" sz="1600" dirty="0">
+                <a:latin typeface="나눔고딕" pitchFamily="50" charset="-127"/>
+                <a:ea typeface="나눔고딕" pitchFamily="50" charset="-127"/>
+              </a:rPr>
+              <a:t>황사일수 변수 생성</a:t>
+            </a:r>
+            <a:endParaRPr lang="en-US" altLang="ko-KR" sz="1600" dirty="0">
+              <a:latin typeface="나눔고딕" pitchFamily="50" charset="-127"/>
+              <a:ea typeface="나눔고딕" pitchFamily="50" charset="-127"/>
+            </a:endParaRPr>
+          </a:p>
+        </p:txBody>
+      </p:sp>
+    </p:spTree>
+    <p:extLst>
+      <p:ext uri="{BB962C8B-B14F-4D97-AF65-F5344CB8AC3E}">
+        <p14:creationId xmlns:p14="http://schemas.microsoft.com/office/powerpoint/2010/main" val="1048256417"/>
+      </p:ext>
+    </p:extLst>
+  </p:cSld>
+  <p:clrMapOvr>
+    <a:masterClrMapping/>
+  </p:clrMapOvr>
+</p:sld>
+</file>
+
+<file path=ppt/slides/slide6.xml><?xml version="1.0" encoding="utf-8"?>
 <p:sld xmlns:a="http://schemas.openxmlformats.org/drawingml/2006/main" xmlns:r="http://schemas.openxmlformats.org/officeDocument/2006/relationships" xmlns:p="http://schemas.openxmlformats.org/presentationml/2006/main">
   <p:cSld>
     <p:spTree>
@@ -6002,587 +6371,6 @@
   <p:clrMapOvr>
     <a:masterClrMapping/>
   </p:clrMapOvr>
-  <p:timing>
-    <p:tnLst>
-      <p:par>
-        <p:cTn id="1" dur="indefinite" restart="never" nodeType="tmRoot"/>
-      </p:par>
-    </p:tnLst>
-  </p:timing>
-</p:sld>
-</file>
-
-<file path=ppt/slides/slide6.xml><?xml version="1.0" encoding="utf-8"?>
-<p:sld xmlns:a="http://schemas.openxmlformats.org/drawingml/2006/main" xmlns:r="http://schemas.openxmlformats.org/officeDocument/2006/relationships" xmlns:p="http://schemas.openxmlformats.org/presentationml/2006/main">
-  <p:cSld>
-    <p:spTree>
-      <p:nvGrpSpPr>
-        <p:cNvPr id="1" name=""/>
-        <p:cNvGrpSpPr/>
-        <p:nvPr/>
-      </p:nvGrpSpPr>
-      <p:grpSpPr>
-        <a:xfrm>
-          <a:off x="0" y="0"/>
-          <a:ext cx="0" cy="0"/>
-          <a:chOff x="0" y="0"/>
-          <a:chExt cx="0" cy="0"/>
-        </a:xfrm>
-      </p:grpSpPr>
-      <p:sp>
-        <p:nvSpPr>
-          <p:cNvPr id="2" name="타원 1"/>
-          <p:cNvSpPr/>
-          <p:nvPr/>
-        </p:nvSpPr>
-        <p:spPr>
-          <a:xfrm>
-            <a:off x="952472" y="1071546"/>
-            <a:ext cx="928694" cy="928694"/>
-          </a:xfrm>
-          <a:prstGeom prst="ellipse">
-            <a:avLst/>
-          </a:prstGeom>
-          <a:solidFill>
-            <a:schemeClr val="accent6"/>
-          </a:solidFill>
-          <a:ln>
-            <a:noFill/>
-          </a:ln>
-        </p:spPr>
-        <p:style>
-          <a:lnRef idx="2">
-            <a:schemeClr val="accent1">
-              <a:shade val="50000"/>
-            </a:schemeClr>
-          </a:lnRef>
-          <a:fillRef idx="1">
-            <a:schemeClr val="accent1"/>
-          </a:fillRef>
-          <a:effectRef idx="0">
-            <a:schemeClr val="accent1"/>
-          </a:effectRef>
-          <a:fontRef idx="minor">
-            <a:schemeClr val="lt1"/>
-          </a:fontRef>
-        </p:style>
-        <p:txBody>
-          <a:bodyPr rtlCol="0" anchor="ctr"/>
-          <a:lstStyle/>
-          <a:p>
-            <a:pPr algn="ctr"/>
-            <a:r>
-              <a:rPr lang="ko-KR" altLang="en-US" sz="1600" b="1" dirty="0" smtClean="0">
-                <a:latin typeface="나눔고딕" pitchFamily="50" charset="-127"/>
-                <a:ea typeface="나눔고딕" pitchFamily="50" charset="-127"/>
-              </a:rPr>
-              <a:t>연구성과</a:t>
-            </a:r>
-            <a:endParaRPr lang="ko-KR" altLang="en-US" sz="1600" b="1" dirty="0">
-              <a:latin typeface="나눔고딕" pitchFamily="50" charset="-127"/>
-              <a:ea typeface="나눔고딕" pitchFamily="50" charset="-127"/>
-            </a:endParaRPr>
-          </a:p>
-        </p:txBody>
-      </p:sp>
-      <p:sp>
-        <p:nvSpPr>
-          <p:cNvPr id="3" name="타원 2"/>
-          <p:cNvSpPr/>
-          <p:nvPr/>
-        </p:nvSpPr>
-        <p:spPr>
-          <a:xfrm>
-            <a:off x="952472" y="3429000"/>
-            <a:ext cx="928694" cy="928694"/>
-          </a:xfrm>
-          <a:prstGeom prst="ellipse">
-            <a:avLst/>
-          </a:prstGeom>
-          <a:solidFill>
-            <a:schemeClr val="accent6"/>
-          </a:solidFill>
-          <a:ln>
-            <a:noFill/>
-          </a:ln>
-        </p:spPr>
-        <p:style>
-          <a:lnRef idx="2">
-            <a:schemeClr val="accent1">
-              <a:shade val="50000"/>
-            </a:schemeClr>
-          </a:lnRef>
-          <a:fillRef idx="1">
-            <a:schemeClr val="accent1"/>
-          </a:fillRef>
-          <a:effectRef idx="0">
-            <a:schemeClr val="accent1"/>
-          </a:effectRef>
-          <a:fontRef idx="minor">
-            <a:schemeClr val="lt1"/>
-          </a:fontRef>
-        </p:style>
-        <p:txBody>
-          <a:bodyPr rtlCol="0" anchor="ctr"/>
-          <a:lstStyle/>
-          <a:p>
-            <a:pPr algn="ctr"/>
-            <a:r>
-              <a:rPr lang="ko-KR" altLang="en-US" sz="1600" b="1" dirty="0" err="1" smtClean="0">
-                <a:latin typeface="나눔고딕" pitchFamily="50" charset="-127"/>
-                <a:ea typeface="나눔고딕" pitchFamily="50" charset="-127"/>
-              </a:rPr>
-              <a:t>향후과제</a:t>
-            </a:r>
-            <a:endParaRPr lang="ko-KR" altLang="en-US" sz="1600" b="1" dirty="0">
-              <a:latin typeface="나눔고딕" pitchFamily="50" charset="-127"/>
-              <a:ea typeface="나눔고딕" pitchFamily="50" charset="-127"/>
-            </a:endParaRPr>
-          </a:p>
-        </p:txBody>
-      </p:sp>
-      <p:sp>
-        <p:nvSpPr>
-          <p:cNvPr id="4" name="TextBox 3"/>
-          <p:cNvSpPr txBox="1"/>
-          <p:nvPr/>
-        </p:nvSpPr>
-        <p:spPr>
-          <a:xfrm>
-            <a:off x="2024042" y="3510490"/>
-            <a:ext cx="5376472" cy="461665"/>
-          </a:xfrm>
-          <a:prstGeom prst="rect">
-            <a:avLst/>
-          </a:prstGeom>
-          <a:noFill/>
-        </p:spPr>
-        <p:txBody>
-          <a:bodyPr wrap="none" rtlCol="0" anchor="ctr">
-            <a:spAutoFit/>
-          </a:bodyPr>
-          <a:lstStyle/>
-          <a:p>
-            <a:pPr marL="360000" indent="-360000">
-              <a:lnSpc>
-                <a:spcPct val="150000"/>
-              </a:lnSpc>
-              <a:buFont typeface="Wingdings" pitchFamily="2" charset="2"/>
-              <a:buChar char="Ø"/>
-            </a:pPr>
-            <a:r>
-              <a:rPr lang="ko-KR" altLang="en-US" sz="1600" dirty="0" err="1" smtClean="0">
-                <a:latin typeface="나눔고딕" pitchFamily="50" charset="-127"/>
-                <a:ea typeface="나눔고딕" pitchFamily="50" charset="-127"/>
-              </a:rPr>
-              <a:t>회귀식</a:t>
-            </a:r>
-            <a:r>
-              <a:rPr lang="ko-KR" altLang="en-US" sz="1600" dirty="0" smtClean="0">
-                <a:latin typeface="나눔고딕" pitchFamily="50" charset="-127"/>
-                <a:ea typeface="나눔고딕" pitchFamily="50" charset="-127"/>
-              </a:rPr>
-              <a:t> 추정에 사용된 매출 자료는 명백한 </a:t>
-            </a:r>
-            <a:r>
-              <a:rPr lang="ko-KR" altLang="en-US" sz="1600" b="1" dirty="0" err="1" smtClean="0">
-                <a:latin typeface="나눔고딕" pitchFamily="50" charset="-127"/>
-                <a:ea typeface="나눔고딕" pitchFamily="50" charset="-127"/>
-              </a:rPr>
-              <a:t>시계열</a:t>
-            </a:r>
-            <a:r>
-              <a:rPr lang="ko-KR" altLang="en-US" sz="1600" dirty="0" smtClean="0">
-                <a:latin typeface="나눔고딕" pitchFamily="50" charset="-127"/>
-                <a:ea typeface="나눔고딕" pitchFamily="50" charset="-127"/>
-              </a:rPr>
-              <a:t> 데이터</a:t>
-            </a:r>
-            <a:endParaRPr lang="ko-KR" altLang="en-US" sz="1600" dirty="0">
-              <a:latin typeface="나눔고딕" pitchFamily="50" charset="-127"/>
-              <a:ea typeface="나눔고딕" pitchFamily="50" charset="-127"/>
-            </a:endParaRPr>
-          </a:p>
-        </p:txBody>
-      </p:sp>
-      <p:pic>
-        <p:nvPicPr>
-          <p:cNvPr id="1026" name="Picture 2" descr="C:\Users\eva\AppData\Local\Microsoft\Windows\INetCache\IE\HWQNO4LY\arrow-24845_640[1].png"/>
-          <p:cNvPicPr>
-            <a:picLocks noChangeAspect="1" noChangeArrowheads="1"/>
-          </p:cNvPicPr>
-          <p:nvPr/>
-        </p:nvPicPr>
-        <p:blipFill>
-          <a:blip r:embed="rId2" cstate="print"/>
-          <a:srcRect/>
-          <a:stretch>
-            <a:fillRect/>
-          </a:stretch>
-        </p:blipFill>
-        <p:spPr bwMode="auto">
-          <a:xfrm>
-            <a:off x="4667248" y="3939118"/>
-            <a:ext cx="428628" cy="419921"/>
-          </a:xfrm>
-          <a:prstGeom prst="rect">
-            <a:avLst/>
-          </a:prstGeom>
-          <a:noFill/>
-        </p:spPr>
-      </p:pic>
-      <p:sp>
-        <p:nvSpPr>
-          <p:cNvPr id="6" name="TextBox 5"/>
-          <p:cNvSpPr txBox="1"/>
-          <p:nvPr/>
-        </p:nvSpPr>
-        <p:spPr>
-          <a:xfrm>
-            <a:off x="2024043" y="4445678"/>
-            <a:ext cx="6858047" cy="707886"/>
-          </a:xfrm>
-          <a:prstGeom prst="rect">
-            <a:avLst/>
-          </a:prstGeom>
-          <a:noFill/>
-        </p:spPr>
-        <p:txBody>
-          <a:bodyPr wrap="square" rtlCol="0" anchor="ctr">
-            <a:spAutoFit/>
-          </a:bodyPr>
-          <a:lstStyle/>
-          <a:p>
-            <a:pPr marL="360000" indent="-360000" algn="just">
-              <a:buFont typeface="Wingdings" pitchFamily="2" charset="2"/>
-              <a:buChar char="Ø"/>
-            </a:pPr>
-            <a:r>
-              <a:rPr lang="ko-KR" altLang="en-US" sz="1600" dirty="0" err="1" smtClean="0">
-                <a:latin typeface="나눔고딕" pitchFamily="50" charset="-127"/>
-                <a:ea typeface="나눔고딕" pitchFamily="50" charset="-127"/>
-              </a:rPr>
-              <a:t>잔차의</a:t>
-            </a:r>
-            <a:r>
-              <a:rPr lang="ko-KR" altLang="en-US" sz="1600" dirty="0" smtClean="0">
-                <a:latin typeface="나눔고딕" pitchFamily="50" charset="-127"/>
-                <a:ea typeface="나눔고딕" pitchFamily="50" charset="-127"/>
-              </a:rPr>
-              <a:t> 분포가 </a:t>
-            </a:r>
-            <a:r>
-              <a:rPr lang="ko-KR" altLang="en-US" sz="1600" b="1" dirty="0" err="1" smtClean="0">
-                <a:latin typeface="나눔고딕" pitchFamily="50" charset="-127"/>
-                <a:ea typeface="나눔고딕" pitchFamily="50" charset="-127"/>
-              </a:rPr>
-              <a:t>정규성을</a:t>
-            </a:r>
-            <a:r>
-              <a:rPr lang="ko-KR" altLang="en-US" sz="1600" b="1" dirty="0" smtClean="0">
-                <a:latin typeface="나눔고딕" pitchFamily="50" charset="-127"/>
-                <a:ea typeface="나눔고딕" pitchFamily="50" charset="-127"/>
-              </a:rPr>
-              <a:t> 띠지 않기</a:t>
-            </a:r>
-            <a:r>
-              <a:rPr lang="ko-KR" altLang="en-US" sz="1600" dirty="0" smtClean="0">
-                <a:latin typeface="나눔고딕" pitchFamily="50" charset="-127"/>
-                <a:ea typeface="나눔고딕" pitchFamily="50" charset="-127"/>
-              </a:rPr>
-              <a:t> 때문에 </a:t>
-            </a:r>
-            <a:r>
-              <a:rPr lang="ko-KR" altLang="en-US" sz="1600" dirty="0" err="1" smtClean="0">
-                <a:latin typeface="나눔고딕" pitchFamily="50" charset="-127"/>
-                <a:ea typeface="나눔고딕" pitchFamily="50" charset="-127"/>
-              </a:rPr>
-              <a:t>최소제곱법을</a:t>
-            </a:r>
-            <a:r>
-              <a:rPr lang="ko-KR" altLang="en-US" sz="1600" dirty="0" smtClean="0">
-                <a:latin typeface="나눔고딕" pitchFamily="50" charset="-127"/>
-                <a:ea typeface="나눔고딕" pitchFamily="50" charset="-127"/>
-              </a:rPr>
-              <a:t> 적용하는데 무리</a:t>
-            </a:r>
-            <a:endParaRPr lang="en-US" altLang="ko-KR" sz="1600" dirty="0" smtClean="0">
-              <a:latin typeface="나눔고딕" pitchFamily="50" charset="-127"/>
-              <a:ea typeface="나눔고딕" pitchFamily="50" charset="-127"/>
-            </a:endParaRPr>
-          </a:p>
-          <a:p>
-            <a:pPr marL="360000" indent="-360000" algn="just">
-              <a:lnSpc>
-                <a:spcPct val="150000"/>
-              </a:lnSpc>
-              <a:buFont typeface="Wingdings" pitchFamily="2" charset="2"/>
-              <a:buChar char="Ø"/>
-            </a:pPr>
-            <a:r>
-              <a:rPr lang="ko-KR" altLang="en-US" sz="1600" b="1" dirty="0" smtClean="0">
-                <a:latin typeface="나눔고딕" pitchFamily="50" charset="-127"/>
-                <a:ea typeface="나눔고딕" pitchFamily="50" charset="-127"/>
-              </a:rPr>
-              <a:t>자기상관성</a:t>
-            </a:r>
-            <a:r>
-              <a:rPr lang="ko-KR" altLang="en-US" sz="1600" dirty="0" smtClean="0">
-                <a:latin typeface="나눔고딕" pitchFamily="50" charset="-127"/>
-                <a:ea typeface="나눔고딕" pitchFamily="50" charset="-127"/>
-              </a:rPr>
-              <a:t>을 내포함</a:t>
-            </a:r>
-            <a:r>
-              <a:rPr lang="en-US" altLang="ko-KR" sz="1600" dirty="0" smtClean="0">
-                <a:latin typeface="나눔고딕" pitchFamily="50" charset="-127"/>
-                <a:ea typeface="나눔고딕" pitchFamily="50" charset="-127"/>
-              </a:rPr>
-              <a:t>(</a:t>
-            </a:r>
-            <a:r>
-              <a:rPr lang="ko-KR" altLang="en-US" sz="1600" dirty="0" smtClean="0">
-                <a:latin typeface="나눔고딕" pitchFamily="50" charset="-127"/>
-                <a:ea typeface="나눔고딕" pitchFamily="50" charset="-127"/>
-              </a:rPr>
-              <a:t>추세성분</a:t>
-            </a:r>
-            <a:r>
-              <a:rPr lang="en-US" altLang="ko-KR" sz="1600" dirty="0" smtClean="0">
-                <a:latin typeface="나눔고딕" pitchFamily="50" charset="-127"/>
-                <a:ea typeface="나눔고딕" pitchFamily="50" charset="-127"/>
-              </a:rPr>
-              <a:t>, </a:t>
-            </a:r>
-            <a:r>
-              <a:rPr lang="ko-KR" altLang="en-US" sz="1600" dirty="0" smtClean="0">
-                <a:latin typeface="나눔고딕" pitchFamily="50" charset="-127"/>
-                <a:ea typeface="나눔고딕" pitchFamily="50" charset="-127"/>
-              </a:rPr>
-              <a:t>계절성분</a:t>
-            </a:r>
-            <a:r>
-              <a:rPr lang="en-US" altLang="ko-KR" sz="1600" dirty="0" smtClean="0">
-                <a:latin typeface="나눔고딕" pitchFamily="50" charset="-127"/>
-                <a:ea typeface="나눔고딕" pitchFamily="50" charset="-127"/>
-              </a:rPr>
-              <a:t>)</a:t>
-            </a:r>
-          </a:p>
-        </p:txBody>
-      </p:sp>
-      <p:pic>
-        <p:nvPicPr>
-          <p:cNvPr id="9" name="Picture 2" descr="C:\Users\eva\AppData\Local\Microsoft\Windows\INetCache\IE\HWQNO4LY\arrow-24845_640[1].png"/>
-          <p:cNvPicPr>
-            <a:picLocks noChangeAspect="1" noChangeArrowheads="1"/>
-          </p:cNvPicPr>
-          <p:nvPr/>
-        </p:nvPicPr>
-        <p:blipFill>
-          <a:blip r:embed="rId2" cstate="print"/>
-          <a:srcRect/>
-          <a:stretch>
-            <a:fillRect/>
-          </a:stretch>
-        </p:blipFill>
-        <p:spPr bwMode="auto">
-          <a:xfrm>
-            <a:off x="4667248" y="5153564"/>
-            <a:ext cx="428628" cy="419921"/>
-          </a:xfrm>
-          <a:prstGeom prst="rect">
-            <a:avLst/>
-          </a:prstGeom>
-          <a:noFill/>
-        </p:spPr>
-      </p:pic>
-      <p:sp>
-        <p:nvSpPr>
-          <p:cNvPr id="11" name="TextBox 10"/>
-          <p:cNvSpPr txBox="1"/>
-          <p:nvPr/>
-        </p:nvSpPr>
-        <p:spPr>
-          <a:xfrm>
-            <a:off x="2024042" y="5572140"/>
-            <a:ext cx="4934043" cy="787908"/>
-          </a:xfrm>
-          <a:prstGeom prst="rect">
-            <a:avLst/>
-          </a:prstGeom>
-          <a:noFill/>
-        </p:spPr>
-        <p:txBody>
-          <a:bodyPr wrap="none" rtlCol="0" anchor="ctr">
-            <a:spAutoFit/>
-          </a:bodyPr>
-          <a:lstStyle/>
-          <a:p>
-            <a:pPr marL="360000" indent="-360000">
-              <a:lnSpc>
-                <a:spcPct val="150000"/>
-              </a:lnSpc>
-              <a:buFont typeface="Wingdings" pitchFamily="2" charset="2"/>
-              <a:buChar char="Ø"/>
-            </a:pPr>
-            <a:r>
-              <a:rPr lang="ko-KR" altLang="en-US" sz="1600" b="1" dirty="0" smtClean="0">
-                <a:latin typeface="나눔고딕" pitchFamily="50" charset="-127"/>
-                <a:ea typeface="나눔고딕" pitchFamily="50" charset="-127"/>
-              </a:rPr>
-              <a:t>차분</a:t>
-            </a:r>
-            <a:r>
-              <a:rPr lang="ko-KR" altLang="en-US" sz="1600" dirty="0" smtClean="0">
-                <a:latin typeface="나눔고딕" pitchFamily="50" charset="-127"/>
-                <a:ea typeface="나눔고딕" pitchFamily="50" charset="-127"/>
-              </a:rPr>
-              <a:t>을 통해 자기상관성을 제거한 후 회귀모형 적용</a:t>
-            </a:r>
-            <a:endParaRPr lang="en-US" altLang="ko-KR" sz="1600" dirty="0" smtClean="0">
-              <a:latin typeface="나눔고딕" pitchFamily="50" charset="-127"/>
-              <a:ea typeface="나눔고딕" pitchFamily="50" charset="-127"/>
-            </a:endParaRPr>
-          </a:p>
-          <a:p>
-            <a:pPr marL="360000" indent="-360000">
-              <a:lnSpc>
-                <a:spcPct val="150000"/>
-              </a:lnSpc>
-              <a:buFont typeface="Wingdings" pitchFamily="2" charset="2"/>
-              <a:buChar char="Ø"/>
-            </a:pPr>
-            <a:r>
-              <a:rPr lang="ko-KR" altLang="en-US" sz="1600" b="1" dirty="0" err="1" smtClean="0">
-                <a:latin typeface="나눔고딕" pitchFamily="50" charset="-127"/>
-                <a:ea typeface="나눔고딕" pitchFamily="50" charset="-127"/>
-              </a:rPr>
-              <a:t>시계열</a:t>
-            </a:r>
-            <a:r>
-              <a:rPr lang="ko-KR" altLang="en-US" sz="1600" b="1" dirty="0" smtClean="0">
-                <a:latin typeface="나눔고딕" pitchFamily="50" charset="-127"/>
-                <a:ea typeface="나눔고딕" pitchFamily="50" charset="-127"/>
-              </a:rPr>
-              <a:t> 모형 </a:t>
-            </a:r>
-            <a:r>
-              <a:rPr lang="ko-KR" altLang="en-US" sz="1600" dirty="0" smtClean="0">
-                <a:latin typeface="나눔고딕" pitchFamily="50" charset="-127"/>
-                <a:ea typeface="나눔고딕" pitchFamily="50" charset="-127"/>
-              </a:rPr>
-              <a:t>적용</a:t>
-            </a:r>
-            <a:endParaRPr lang="ko-KR" altLang="en-US" sz="1600" dirty="0">
-              <a:latin typeface="나눔고딕" pitchFamily="50" charset="-127"/>
-              <a:ea typeface="나눔고딕" pitchFamily="50" charset="-127"/>
-            </a:endParaRPr>
-          </a:p>
-        </p:txBody>
-      </p:sp>
-      <p:sp>
-        <p:nvSpPr>
-          <p:cNvPr id="12" name="TextBox 11"/>
-          <p:cNvSpPr txBox="1"/>
-          <p:nvPr/>
-        </p:nvSpPr>
-        <p:spPr>
-          <a:xfrm>
-            <a:off x="2024042" y="1071546"/>
-            <a:ext cx="6858048" cy="1938992"/>
-          </a:xfrm>
-          <a:prstGeom prst="rect">
-            <a:avLst/>
-          </a:prstGeom>
-          <a:noFill/>
-        </p:spPr>
-        <p:txBody>
-          <a:bodyPr wrap="square" rtlCol="0" anchor="ctr">
-            <a:spAutoFit/>
-          </a:bodyPr>
-          <a:lstStyle/>
-          <a:p>
-            <a:pPr marL="360000" indent="-360000">
-              <a:lnSpc>
-                <a:spcPct val="150000"/>
-              </a:lnSpc>
-              <a:buFont typeface="Wingdings" pitchFamily="2" charset="2"/>
-              <a:buChar char="Ø"/>
-            </a:pPr>
-            <a:r>
-              <a:rPr lang="en-US" altLang="ko-KR" sz="1600" dirty="0" smtClean="0">
-                <a:latin typeface="나눔고딕" pitchFamily="50" charset="-127"/>
-                <a:ea typeface="나눔고딕" pitchFamily="50" charset="-127"/>
-              </a:rPr>
-              <a:t>CU</a:t>
-            </a:r>
-            <a:r>
-              <a:rPr lang="ko-KR" altLang="en-US" sz="1600" dirty="0" smtClean="0">
-                <a:latin typeface="나눔고딕" pitchFamily="50" charset="-127"/>
-                <a:ea typeface="나눔고딕" pitchFamily="50" charset="-127"/>
-              </a:rPr>
-              <a:t>의 주력품목인 음료의 매출을 예측하고 공급에 차질이 생기지 않도록 사전 대비가 가능</a:t>
-            </a:r>
-            <a:endParaRPr lang="en-US" altLang="ko-KR" sz="1600" dirty="0" smtClean="0">
-              <a:latin typeface="나눔고딕" pitchFamily="50" charset="-127"/>
-              <a:ea typeface="나눔고딕" pitchFamily="50" charset="-127"/>
-            </a:endParaRPr>
-          </a:p>
-          <a:p>
-            <a:pPr marL="360000" indent="-360000">
-              <a:lnSpc>
-                <a:spcPct val="150000"/>
-              </a:lnSpc>
-              <a:buFont typeface="Wingdings" pitchFamily="2" charset="2"/>
-              <a:buChar char="Ø"/>
-            </a:pPr>
-            <a:r>
-              <a:rPr lang="ko-KR" altLang="en-US" sz="1600" dirty="0" smtClean="0">
-                <a:latin typeface="나눔고딕" pitchFamily="50" charset="-127"/>
-                <a:ea typeface="나눔고딕" pitchFamily="50" charset="-127"/>
-              </a:rPr>
-              <a:t>음료의 매출에 미치는 요인을 정확히 파악하여 요인에 대한 매출 기여도별차별화 대응 전략 수립 가능</a:t>
-            </a:r>
-            <a:endParaRPr lang="en-US" altLang="ko-KR" sz="1600" dirty="0" smtClean="0">
-              <a:latin typeface="나눔고딕" pitchFamily="50" charset="-127"/>
-              <a:ea typeface="나눔고딕" pitchFamily="50" charset="-127"/>
-            </a:endParaRPr>
-          </a:p>
-          <a:p>
-            <a:pPr marL="360000" indent="-360000">
-              <a:lnSpc>
-                <a:spcPct val="150000"/>
-              </a:lnSpc>
-              <a:buFont typeface="Wingdings" pitchFamily="2" charset="2"/>
-              <a:buChar char="Ø"/>
-            </a:pPr>
-            <a:r>
-              <a:rPr lang="ko-KR" altLang="en-US" sz="1600" dirty="0" smtClean="0">
-                <a:latin typeface="나눔고딕" pitchFamily="50" charset="-127"/>
-                <a:ea typeface="나눔고딕" pitchFamily="50" charset="-127"/>
-              </a:rPr>
-              <a:t>이러한 요인들을 적절히 통제하고 조절함으로써 매출의 극대화 가능</a:t>
-            </a:r>
-            <a:endParaRPr lang="en-US" altLang="ko-KR" sz="1600" dirty="0" smtClean="0">
-              <a:latin typeface="나눔고딕" pitchFamily="50" charset="-127"/>
-              <a:ea typeface="나눔고딕" pitchFamily="50" charset="-127"/>
-            </a:endParaRPr>
-          </a:p>
-        </p:txBody>
-      </p:sp>
-    </p:spTree>
-  </p:cSld>
-  <p:clrMapOvr>
-    <a:masterClrMapping/>
-  </p:clrMapOvr>
-  <p:timing>
-    <p:tnLst>
-      <p:par>
-        <p:cTn id="1" dur="indefinite" restart="never" nodeType="tmRoot"/>
-      </p:par>
-    </p:tnLst>
-  </p:timing>
 </p:sld>
 </file>
 
@@ -6605,14 +6393,122 @@
       </p:grpSpPr>
       <p:sp>
         <p:nvSpPr>
-          <p:cNvPr id="2" name="TextBox 1"/>
+          <p:cNvPr id="2" name="타원 1"/>
+          <p:cNvSpPr/>
+          <p:nvPr/>
+        </p:nvSpPr>
+        <p:spPr>
+          <a:xfrm>
+            <a:off x="952472" y="1071546"/>
+            <a:ext cx="928694" cy="928694"/>
+          </a:xfrm>
+          <a:prstGeom prst="ellipse">
+            <a:avLst/>
+          </a:prstGeom>
+          <a:solidFill>
+            <a:schemeClr val="accent6"/>
+          </a:solidFill>
+          <a:ln>
+            <a:noFill/>
+          </a:ln>
+        </p:spPr>
+        <p:style>
+          <a:lnRef idx="2">
+            <a:schemeClr val="accent1">
+              <a:shade val="50000"/>
+            </a:schemeClr>
+          </a:lnRef>
+          <a:fillRef idx="1">
+            <a:schemeClr val="accent1"/>
+          </a:fillRef>
+          <a:effectRef idx="0">
+            <a:schemeClr val="accent1"/>
+          </a:effectRef>
+          <a:fontRef idx="minor">
+            <a:schemeClr val="lt1"/>
+          </a:fontRef>
+        </p:style>
+        <p:txBody>
+          <a:bodyPr rtlCol="0" anchor="ctr"/>
+          <a:lstStyle/>
+          <a:p>
+            <a:pPr algn="ctr"/>
+            <a:r>
+              <a:rPr lang="ko-KR" altLang="en-US" sz="1600" b="1" dirty="0">
+                <a:latin typeface="나눔고딕" pitchFamily="50" charset="-127"/>
+                <a:ea typeface="나눔고딕" pitchFamily="50" charset="-127"/>
+              </a:rPr>
+              <a:t>연구성과</a:t>
+            </a:r>
+          </a:p>
+        </p:txBody>
+      </p:sp>
+      <p:sp>
+        <p:nvSpPr>
+          <p:cNvPr id="3" name="타원 2"/>
+          <p:cNvSpPr/>
+          <p:nvPr/>
+        </p:nvSpPr>
+        <p:spPr>
+          <a:xfrm>
+            <a:off x="952472" y="3429000"/>
+            <a:ext cx="928694" cy="928694"/>
+          </a:xfrm>
+          <a:prstGeom prst="ellipse">
+            <a:avLst/>
+          </a:prstGeom>
+          <a:solidFill>
+            <a:schemeClr val="accent6"/>
+          </a:solidFill>
+          <a:ln>
+            <a:noFill/>
+          </a:ln>
+        </p:spPr>
+        <p:style>
+          <a:lnRef idx="2">
+            <a:schemeClr val="accent1">
+              <a:shade val="50000"/>
+            </a:schemeClr>
+          </a:lnRef>
+          <a:fillRef idx="1">
+            <a:schemeClr val="accent1"/>
+          </a:fillRef>
+          <a:effectRef idx="0">
+            <a:schemeClr val="accent1"/>
+          </a:effectRef>
+          <a:fontRef idx="minor">
+            <a:schemeClr val="lt1"/>
+          </a:fontRef>
+        </p:style>
+        <p:txBody>
+          <a:bodyPr rtlCol="0" anchor="ctr"/>
+          <a:lstStyle/>
+          <a:p>
+            <a:pPr algn="ctr"/>
+            <a:r>
+              <a:rPr lang="ko-KR" altLang="en-US" sz="1600" b="1" dirty="0" err="1">
+                <a:latin typeface="나눔고딕" pitchFamily="50" charset="-127"/>
+                <a:ea typeface="나눔고딕" pitchFamily="50" charset="-127"/>
+              </a:rPr>
+              <a:t>향후과제</a:t>
+            </a:r>
+            <a:endParaRPr lang="ko-KR" altLang="en-US" sz="1600" b="1" dirty="0">
+              <a:latin typeface="나눔고딕" pitchFamily="50" charset="-127"/>
+              <a:ea typeface="나눔고딕" pitchFamily="50" charset="-127"/>
+            </a:endParaRPr>
+          </a:p>
+        </p:txBody>
+      </p:sp>
+      <p:sp>
+        <p:nvSpPr>
+          <p:cNvPr id="4" name="TextBox 3"/>
           <p:cNvSpPr txBox="1"/>
           <p:nvPr/>
         </p:nvSpPr>
         <p:spPr>
           <a:xfrm>
-            <a:off x="2809860" y="2714620"/>
-            <a:ext cx="4214615" cy="923330"/>
+            <a:off x="2024042" y="3510490"/>
+            <a:ext cx="5376472" cy="461665"/>
           </a:xfrm>
           <a:prstGeom prst="rect">
             <a:avLst/>
@@ -6620,33 +6516,408 @@
           <a:noFill/>
         </p:spPr>
         <p:txBody>
-          <a:bodyPr wrap="none" rtlCol="0">
+          <a:bodyPr wrap="none" rtlCol="0" anchor="ctr">
             <a:spAutoFit/>
           </a:bodyPr>
           <a:lstStyle/>
           <a:p>
-            <a:pPr algn="ctr"/>
-            <a:r>
-              <a:rPr lang="ko-KR" altLang="en-US" sz="5400" b="1" dirty="0">
-                <a:latin typeface="나눔고딕" pitchFamily="50" charset="-127"/>
-                <a:ea typeface="나눔고딕" pitchFamily="50" charset="-127"/>
-              </a:rPr>
-              <a:t>감 사 합 </a:t>
-            </a:r>
-            <a:r>
-              <a:rPr lang="ko-KR" altLang="en-US" sz="5400" b="1" dirty="0" err="1">
-                <a:latin typeface="나눔고딕" pitchFamily="50" charset="-127"/>
-                <a:ea typeface="나눔고딕" pitchFamily="50" charset="-127"/>
-              </a:rPr>
-              <a:t>니</a:t>
-            </a:r>
-            <a:r>
-              <a:rPr lang="ko-KR" altLang="en-US" sz="5400" b="1" dirty="0">
-                <a:latin typeface="나눔고딕" pitchFamily="50" charset="-127"/>
-                <a:ea typeface="나눔고딕" pitchFamily="50" charset="-127"/>
-              </a:rPr>
-              <a:t> 다</a:t>
-            </a:r>
+            <a:pPr marL="360000" indent="-360000">
+              <a:lnSpc>
+                <a:spcPct val="150000"/>
+              </a:lnSpc>
+              <a:buFont typeface="Wingdings" pitchFamily="2" charset="2"/>
+              <a:buChar char="Ø"/>
+            </a:pPr>
+            <a:r>
+              <a:rPr lang="ko-KR" altLang="en-US" sz="1600" dirty="0" err="1">
+                <a:latin typeface="나눔고딕" pitchFamily="50" charset="-127"/>
+                <a:ea typeface="나눔고딕" pitchFamily="50" charset="-127"/>
+              </a:rPr>
+              <a:t>회귀식</a:t>
+            </a:r>
+            <a:r>
+              <a:rPr lang="ko-KR" altLang="en-US" sz="1600" dirty="0">
+                <a:latin typeface="나눔고딕" pitchFamily="50" charset="-127"/>
+                <a:ea typeface="나눔고딕" pitchFamily="50" charset="-127"/>
+              </a:rPr>
+              <a:t> 추정에 사용된 매출 자료는 명백한 </a:t>
+            </a:r>
+            <a:r>
+              <a:rPr lang="ko-KR" altLang="en-US" sz="1600" b="1" dirty="0" err="1">
+                <a:latin typeface="나눔고딕" pitchFamily="50" charset="-127"/>
+                <a:ea typeface="나눔고딕" pitchFamily="50" charset="-127"/>
+              </a:rPr>
+              <a:t>시계열</a:t>
+            </a:r>
+            <a:r>
+              <a:rPr lang="ko-KR" altLang="en-US" sz="1600" dirty="0">
+                <a:latin typeface="나눔고딕" pitchFamily="50" charset="-127"/>
+                <a:ea typeface="나눔고딕" pitchFamily="50" charset="-127"/>
+              </a:rPr>
+              <a:t> 데이터</a:t>
+            </a:r>
+          </a:p>
+        </p:txBody>
+      </p:sp>
+      <p:pic>
+        <p:nvPicPr>
+          <p:cNvPr id="1026" name="Picture 2" descr="C:\Users\eva\AppData\Local\Microsoft\Windows\INetCache\IE\HWQNO4LY\arrow-24845_640[1].png"/>
+          <p:cNvPicPr>
+            <a:picLocks noChangeAspect="1" noChangeArrowheads="1"/>
+          </p:cNvPicPr>
+          <p:nvPr/>
+        </p:nvPicPr>
+        <p:blipFill>
+          <a:blip r:embed="rId2" cstate="print"/>
+          <a:srcRect/>
+          <a:stretch>
+            <a:fillRect/>
+          </a:stretch>
+        </p:blipFill>
+        <p:spPr bwMode="auto">
+          <a:xfrm>
+            <a:off x="4667248" y="3939118"/>
+            <a:ext cx="428628" cy="419921"/>
+          </a:xfrm>
+          <a:prstGeom prst="rect">
+            <a:avLst/>
+          </a:prstGeom>
+          <a:noFill/>
+        </p:spPr>
+      </p:pic>
+      <p:sp>
+        <p:nvSpPr>
+          <p:cNvPr id="6" name="TextBox 5"/>
+          <p:cNvSpPr txBox="1"/>
+          <p:nvPr/>
+        </p:nvSpPr>
+        <p:spPr>
+          <a:xfrm>
+            <a:off x="2024043" y="4445678"/>
+            <a:ext cx="6858047" cy="707886"/>
+          </a:xfrm>
+          <a:prstGeom prst="rect">
+            <a:avLst/>
+          </a:prstGeom>
+          <a:noFill/>
+        </p:spPr>
+        <p:txBody>
+          <a:bodyPr wrap="square" rtlCol="0" anchor="ctr">
+            <a:spAutoFit/>
+          </a:bodyPr>
+          <a:lstStyle/>
+          <a:p>
+            <a:pPr marL="360000" indent="-360000" algn="just">
+              <a:buFont typeface="Wingdings" pitchFamily="2" charset="2"/>
+              <a:buChar char="Ø"/>
+            </a:pPr>
+            <a:r>
+              <a:rPr lang="ko-KR" altLang="en-US" sz="1600" dirty="0" err="1">
+                <a:latin typeface="나눔고딕" pitchFamily="50" charset="-127"/>
+                <a:ea typeface="나눔고딕" pitchFamily="50" charset="-127"/>
+              </a:rPr>
+              <a:t>잔차의</a:t>
+            </a:r>
+            <a:r>
+              <a:rPr lang="ko-KR" altLang="en-US" sz="1600" dirty="0">
+                <a:latin typeface="나눔고딕" pitchFamily="50" charset="-127"/>
+                <a:ea typeface="나눔고딕" pitchFamily="50" charset="-127"/>
+              </a:rPr>
+              <a:t> 분포가 </a:t>
+            </a:r>
+            <a:r>
+              <a:rPr lang="ko-KR" altLang="en-US" sz="1600" b="1" dirty="0" err="1">
+                <a:latin typeface="나눔고딕" pitchFamily="50" charset="-127"/>
+                <a:ea typeface="나눔고딕" pitchFamily="50" charset="-127"/>
+              </a:rPr>
+              <a:t>정규성을</a:t>
+            </a:r>
+            <a:r>
+              <a:rPr lang="ko-KR" altLang="en-US" sz="1600" b="1" dirty="0">
+                <a:latin typeface="나눔고딕" pitchFamily="50" charset="-127"/>
+                <a:ea typeface="나눔고딕" pitchFamily="50" charset="-127"/>
+              </a:rPr>
+              <a:t> 띠지 않기</a:t>
+            </a:r>
+            <a:r>
+              <a:rPr lang="ko-KR" altLang="en-US" sz="1600" dirty="0">
+                <a:latin typeface="나눔고딕" pitchFamily="50" charset="-127"/>
+                <a:ea typeface="나눔고딕" pitchFamily="50" charset="-127"/>
+              </a:rPr>
+              <a:t> 때문에 </a:t>
+            </a:r>
+            <a:r>
+              <a:rPr lang="ko-KR" altLang="en-US" sz="1600" dirty="0" err="1">
+                <a:latin typeface="나눔고딕" pitchFamily="50" charset="-127"/>
+                <a:ea typeface="나눔고딕" pitchFamily="50" charset="-127"/>
+              </a:rPr>
+              <a:t>최소제곱법을</a:t>
+            </a:r>
+            <a:r>
+              <a:rPr lang="ko-KR" altLang="en-US" sz="1600" dirty="0">
+                <a:latin typeface="나눔고딕" pitchFamily="50" charset="-127"/>
+                <a:ea typeface="나눔고딕" pitchFamily="50" charset="-127"/>
+              </a:rPr>
+              <a:t> 적용하는데 무리</a:t>
+            </a:r>
+            <a:endParaRPr lang="en-US" altLang="ko-KR" sz="1600" dirty="0">
+              <a:latin typeface="나눔고딕" pitchFamily="50" charset="-127"/>
+              <a:ea typeface="나눔고딕" pitchFamily="50" charset="-127"/>
+            </a:endParaRPr>
+          </a:p>
+          <a:p>
+            <a:pPr marL="360000" indent="-360000" algn="just">
+              <a:lnSpc>
+                <a:spcPct val="150000"/>
+              </a:lnSpc>
+              <a:buFont typeface="Wingdings" pitchFamily="2" charset="2"/>
+              <a:buChar char="Ø"/>
+            </a:pPr>
+            <a:r>
+              <a:rPr lang="ko-KR" altLang="en-US" sz="1600" b="1" dirty="0">
+                <a:latin typeface="나눔고딕" pitchFamily="50" charset="-127"/>
+                <a:ea typeface="나눔고딕" pitchFamily="50" charset="-127"/>
+              </a:rPr>
+              <a:t>자기상관성</a:t>
+            </a:r>
+            <a:r>
+              <a:rPr lang="ko-KR" altLang="en-US" sz="1600" dirty="0">
+                <a:latin typeface="나눔고딕" pitchFamily="50" charset="-127"/>
+                <a:ea typeface="나눔고딕" pitchFamily="50" charset="-127"/>
+              </a:rPr>
+              <a:t>을 내포함</a:t>
+            </a:r>
+            <a:r>
+              <a:rPr lang="en-US" altLang="ko-KR" sz="1600" dirty="0">
+                <a:latin typeface="나눔고딕" pitchFamily="50" charset="-127"/>
+                <a:ea typeface="나눔고딕" pitchFamily="50" charset="-127"/>
+              </a:rPr>
+              <a:t>(</a:t>
+            </a:r>
+            <a:r>
+              <a:rPr lang="ko-KR" altLang="en-US" sz="1600" dirty="0">
+                <a:latin typeface="나눔고딕" pitchFamily="50" charset="-127"/>
+                <a:ea typeface="나눔고딕" pitchFamily="50" charset="-127"/>
+              </a:rPr>
+              <a:t>추세성분</a:t>
+            </a:r>
+            <a:r>
+              <a:rPr lang="en-US" altLang="ko-KR" sz="1600" dirty="0">
+                <a:latin typeface="나눔고딕" pitchFamily="50" charset="-127"/>
+                <a:ea typeface="나눔고딕" pitchFamily="50" charset="-127"/>
+              </a:rPr>
+              <a:t>, </a:t>
+            </a:r>
+            <a:r>
+              <a:rPr lang="ko-KR" altLang="en-US" sz="1600" dirty="0">
+                <a:latin typeface="나눔고딕" pitchFamily="50" charset="-127"/>
+                <a:ea typeface="나눔고딕" pitchFamily="50" charset="-127"/>
+              </a:rPr>
+              <a:t>계절성분</a:t>
+            </a:r>
+            <a:r>
+              <a:rPr lang="en-US" altLang="ko-KR" sz="1600" dirty="0">
+                <a:latin typeface="나눔고딕" pitchFamily="50" charset="-127"/>
+                <a:ea typeface="나눔고딕" pitchFamily="50" charset="-127"/>
+              </a:rPr>
+              <a:t>)</a:t>
+            </a:r>
+          </a:p>
+        </p:txBody>
+      </p:sp>
+      <p:pic>
+        <p:nvPicPr>
+          <p:cNvPr id="9" name="Picture 2" descr="C:\Users\eva\AppData\Local\Microsoft\Windows\INetCache\IE\HWQNO4LY\arrow-24845_640[1].png"/>
+          <p:cNvPicPr>
+            <a:picLocks noChangeAspect="1" noChangeArrowheads="1"/>
+          </p:cNvPicPr>
+          <p:nvPr/>
+        </p:nvPicPr>
+        <p:blipFill>
+          <a:blip r:embed="rId2" cstate="print"/>
+          <a:srcRect/>
+          <a:stretch>
+            <a:fillRect/>
+          </a:stretch>
+        </p:blipFill>
+        <p:spPr bwMode="auto">
+          <a:xfrm>
+            <a:off x="4667248" y="5153564"/>
+            <a:ext cx="428628" cy="419921"/>
+          </a:xfrm>
+          <a:prstGeom prst="rect">
+            <a:avLst/>
+          </a:prstGeom>
+          <a:noFill/>
+        </p:spPr>
+      </p:pic>
+      <p:sp>
+        <p:nvSpPr>
+          <p:cNvPr id="11" name="TextBox 10"/>
+          <p:cNvSpPr txBox="1"/>
+          <p:nvPr/>
+        </p:nvSpPr>
+        <p:spPr>
+          <a:xfrm>
+            <a:off x="2024042" y="5572140"/>
+            <a:ext cx="4934043" cy="787908"/>
+          </a:xfrm>
+          <a:prstGeom prst="rect">
+            <a:avLst/>
+          </a:prstGeom>
+          <a:noFill/>
+        </p:spPr>
+        <p:txBody>
+          <a:bodyPr wrap="none" rtlCol="0" anchor="ctr">
+            <a:spAutoFit/>
+          </a:bodyPr>
+          <a:lstStyle/>
+          <a:p>
+            <a:pPr marL="360000" indent="-360000">
+              <a:lnSpc>
+                <a:spcPct val="150000"/>
+              </a:lnSpc>
+              <a:buFont typeface="Wingdings" pitchFamily="2" charset="2"/>
+              <a:buChar char="Ø"/>
+            </a:pPr>
+            <a:r>
+              <a:rPr lang="ko-KR" altLang="en-US" sz="1600" b="1" dirty="0">
+                <a:latin typeface="나눔고딕" pitchFamily="50" charset="-127"/>
+                <a:ea typeface="나눔고딕" pitchFamily="50" charset="-127"/>
+              </a:rPr>
+              <a:t>차분</a:t>
+            </a:r>
+            <a:r>
+              <a:rPr lang="ko-KR" altLang="en-US" sz="1600" dirty="0">
+                <a:latin typeface="나눔고딕" pitchFamily="50" charset="-127"/>
+                <a:ea typeface="나눔고딕" pitchFamily="50" charset="-127"/>
+              </a:rPr>
+              <a:t>을 통해 자기상관성을 제거한 후 회귀모형 적용</a:t>
+            </a:r>
+            <a:endParaRPr lang="en-US" altLang="ko-KR" sz="1600" dirty="0">
+              <a:latin typeface="나눔고딕" pitchFamily="50" charset="-127"/>
+              <a:ea typeface="나눔고딕" pitchFamily="50" charset="-127"/>
+            </a:endParaRPr>
+          </a:p>
+          <a:p>
+            <a:pPr marL="360000" indent="-360000">
+              <a:lnSpc>
+                <a:spcPct val="150000"/>
+              </a:lnSpc>
+              <a:buFont typeface="Wingdings" pitchFamily="2" charset="2"/>
+              <a:buChar char="Ø"/>
+            </a:pPr>
+            <a:r>
+              <a:rPr lang="ko-KR" altLang="en-US" sz="1600" b="1" dirty="0" err="1">
+                <a:latin typeface="나눔고딕" pitchFamily="50" charset="-127"/>
+                <a:ea typeface="나눔고딕" pitchFamily="50" charset="-127"/>
+              </a:rPr>
+              <a:t>시계열</a:t>
+            </a:r>
+            <a:r>
+              <a:rPr lang="ko-KR" altLang="en-US" sz="1600" b="1" dirty="0">
+                <a:latin typeface="나눔고딕" pitchFamily="50" charset="-127"/>
+                <a:ea typeface="나눔고딕" pitchFamily="50" charset="-127"/>
+              </a:rPr>
+              <a:t> 모형 </a:t>
+            </a:r>
+            <a:r>
+              <a:rPr lang="ko-KR" altLang="en-US" sz="1600" dirty="0">
+                <a:latin typeface="나눔고딕" pitchFamily="50" charset="-127"/>
+                <a:ea typeface="나눔고딕" pitchFamily="50" charset="-127"/>
+              </a:rPr>
+              <a:t>적용</a:t>
+            </a:r>
+          </a:p>
+        </p:txBody>
+      </p:sp>
+      <p:sp>
+        <p:nvSpPr>
+          <p:cNvPr id="12" name="TextBox 11"/>
+          <p:cNvSpPr txBox="1"/>
+          <p:nvPr/>
+        </p:nvSpPr>
+        <p:spPr>
+          <a:xfrm>
+            <a:off x="2024042" y="1071546"/>
+            <a:ext cx="6858048" cy="1938992"/>
+          </a:xfrm>
+          <a:prstGeom prst="rect">
+            <a:avLst/>
+          </a:prstGeom>
+          <a:noFill/>
+        </p:spPr>
+        <p:txBody>
+          <a:bodyPr wrap="square" rtlCol="0" anchor="ctr">
+            <a:spAutoFit/>
+          </a:bodyPr>
+          <a:lstStyle/>
+          <a:p>
+            <a:pPr marL="360000" indent="-360000">
+              <a:lnSpc>
+                <a:spcPct val="150000"/>
+              </a:lnSpc>
+              <a:buFont typeface="Wingdings" pitchFamily="2" charset="2"/>
+              <a:buChar char="Ø"/>
+            </a:pPr>
+            <a:r>
+              <a:rPr lang="en-US" altLang="ko-KR" sz="1600" dirty="0">
+                <a:latin typeface="나눔고딕" pitchFamily="50" charset="-127"/>
+                <a:ea typeface="나눔고딕" pitchFamily="50" charset="-127"/>
+              </a:rPr>
+              <a:t>CU</a:t>
+            </a:r>
+            <a:r>
+              <a:rPr lang="ko-KR" altLang="en-US" sz="1600" dirty="0">
+                <a:latin typeface="나눔고딕" pitchFamily="50" charset="-127"/>
+                <a:ea typeface="나눔고딕" pitchFamily="50" charset="-127"/>
+              </a:rPr>
+              <a:t>의 주력품목인 음료의 매출을 예측하고 공급에 차질이 생기지 않도록 사전 대비가 가능</a:t>
+            </a:r>
+            <a:endParaRPr lang="en-US" altLang="ko-KR" sz="1600" dirty="0">
+              <a:latin typeface="나눔고딕" pitchFamily="50" charset="-127"/>
+              <a:ea typeface="나눔고딕" pitchFamily="50" charset="-127"/>
+            </a:endParaRPr>
+          </a:p>
+          <a:p>
+            <a:pPr marL="360000" indent="-360000">
+              <a:lnSpc>
+                <a:spcPct val="150000"/>
+              </a:lnSpc>
+              <a:buFont typeface="Wingdings" pitchFamily="2" charset="2"/>
+              <a:buChar char="Ø"/>
+            </a:pPr>
+            <a:r>
+              <a:rPr lang="ko-KR" altLang="en-US" sz="1600" dirty="0">
+                <a:latin typeface="나눔고딕" pitchFamily="50" charset="-127"/>
+                <a:ea typeface="나눔고딕" pitchFamily="50" charset="-127"/>
+              </a:rPr>
+              <a:t>음료의 매출에 미치는 요인을 정확히 파악하여 요인에 대한 매출 기여도별차별화 대응 전략 수립 가능</a:t>
+            </a:r>
+            <a:endParaRPr lang="en-US" altLang="ko-KR" sz="1600" dirty="0">
+              <a:latin typeface="나눔고딕" pitchFamily="50" charset="-127"/>
+              <a:ea typeface="나눔고딕" pitchFamily="50" charset="-127"/>
+            </a:endParaRPr>
+          </a:p>
+          <a:p>
+            <a:pPr marL="360000" indent="-360000">
+              <a:lnSpc>
+                <a:spcPct val="150000"/>
+              </a:lnSpc>
+              <a:buFont typeface="Wingdings" pitchFamily="2" charset="2"/>
+              <a:buChar char="Ø"/>
+            </a:pPr>
+            <a:r>
+              <a:rPr lang="ko-KR" altLang="en-US" sz="1600" dirty="0">
+                <a:latin typeface="나눔고딕" pitchFamily="50" charset="-127"/>
+                <a:ea typeface="나눔고딕" pitchFamily="50" charset="-127"/>
+              </a:rPr>
+              <a:t>이러한 요인들을 적절히 통제하고 조절함으로써 매출의 극대화 가능</a:t>
+            </a:r>
+            <a:endParaRPr lang="en-US" altLang="ko-KR" sz="1600" dirty="0">
+              <a:latin typeface="나눔고딕" pitchFamily="50" charset="-127"/>
+              <a:ea typeface="나눔고딕" pitchFamily="50" charset="-127"/>
+            </a:endParaRPr>
           </a:p>
         </p:txBody>
       </p:sp>
@@ -6655,13 +6926,6 @@
   <p:clrMapOvr>
     <a:masterClrMapping/>
   </p:clrMapOvr>
-  <p:timing>
-    <p:tnLst>
-      <p:par>
-        <p:cTn id="1" dur="indefinite" restart="never" nodeType="tmRoot"/>
-      </p:par>
-    </p:tnLst>
-  </p:timing>
 </p:sld>
 </file>
 
@@ -6682,132 +6946,54 @@
           <a:chExt cx="0" cy="0"/>
         </a:xfrm>
       </p:grpSpPr>
-      <p:pic>
-        <p:nvPicPr>
-          <p:cNvPr id="7" name="그림 6">
-            <a:extLst>
-              <a:ext uri="{FF2B5EF4-FFF2-40B4-BE49-F238E27FC236}">
-                <a16:creationId xmlns="" xmlns:a16="http://schemas.microsoft.com/office/drawing/2014/main" id="{0E4C6232-93FF-D73F-C308-8F6DA7C720F5}"/>
-              </a:ext>
-            </a:extLst>
-          </p:cNvPr>
-          <p:cNvPicPr>
-            <a:picLocks noChangeAspect="1"/>
-          </p:cNvPicPr>
+      <p:sp>
+        <p:nvSpPr>
+          <p:cNvPr id="2" name="TextBox 1"/>
+          <p:cNvSpPr txBox="1"/>
           <p:nvPr/>
-        </p:nvPicPr>
-        <p:blipFill>
-          <a:blip r:embed="rId2"/>
-          <a:stretch>
-            <a:fillRect/>
-          </a:stretch>
-        </p:blipFill>
-        <p:spPr>
-          <a:xfrm>
-            <a:off x="4016896" y="773160"/>
-            <a:ext cx="5163271" cy="2343477"/>
-          </a:xfrm>
-          <a:prstGeom prst="rect">
-            <a:avLst/>
-          </a:prstGeom>
-        </p:spPr>
-      </p:pic>
-      <p:pic>
-        <p:nvPicPr>
-          <p:cNvPr id="11" name="그림 10">
-            <a:extLst>
-              <a:ext uri="{FF2B5EF4-FFF2-40B4-BE49-F238E27FC236}">
-                <a16:creationId xmlns="" xmlns:a16="http://schemas.microsoft.com/office/drawing/2014/main" id="{223D1580-B5A1-2CD7-87A2-7A3A88D429CA}"/>
-              </a:ext>
-            </a:extLst>
-          </p:cNvPr>
-          <p:cNvPicPr>
-            <a:picLocks noChangeAspect="1"/>
-          </p:cNvPicPr>
-          <p:nvPr/>
-        </p:nvPicPr>
-        <p:blipFill>
-          <a:blip r:embed="rId3"/>
-          <a:stretch>
-            <a:fillRect/>
-          </a:stretch>
-        </p:blipFill>
-        <p:spPr>
-          <a:xfrm>
-            <a:off x="992560" y="3357279"/>
-            <a:ext cx="5010849" cy="3096057"/>
-          </a:xfrm>
-          <a:prstGeom prst="rect">
-            <a:avLst/>
-          </a:prstGeom>
-        </p:spPr>
-      </p:pic>
-      <p:pic>
-        <p:nvPicPr>
-          <p:cNvPr id="15" name="그림 14">
-            <a:extLst>
-              <a:ext uri="{FF2B5EF4-FFF2-40B4-BE49-F238E27FC236}">
-                <a16:creationId xmlns="" xmlns:a16="http://schemas.microsoft.com/office/drawing/2014/main" id="{5773AE50-1F82-498D-165E-1AA6B88323E5}"/>
-              </a:ext>
-            </a:extLst>
-          </p:cNvPr>
-          <p:cNvPicPr>
-            <a:picLocks noChangeAspect="1"/>
-          </p:cNvPicPr>
-          <p:nvPr/>
-        </p:nvPicPr>
-        <p:blipFill>
-          <a:blip r:embed="rId4"/>
-          <a:stretch>
-            <a:fillRect/>
-          </a:stretch>
-        </p:blipFill>
-        <p:spPr>
-          <a:xfrm>
-            <a:off x="6897216" y="3789327"/>
-            <a:ext cx="2386978" cy="2440982"/>
-          </a:xfrm>
-          <a:prstGeom prst="rect">
-            <a:avLst/>
-          </a:prstGeom>
-        </p:spPr>
-      </p:pic>
-      <p:pic>
-        <p:nvPicPr>
-          <p:cNvPr id="17" name="그림 16">
-            <a:extLst>
-              <a:ext uri="{FF2B5EF4-FFF2-40B4-BE49-F238E27FC236}">
-                <a16:creationId xmlns="" xmlns:a16="http://schemas.microsoft.com/office/drawing/2014/main" id="{1FC8043C-4C94-0EB6-35E6-6AF01D2D66A3}"/>
-              </a:ext>
-            </a:extLst>
-          </p:cNvPr>
-          <p:cNvPicPr>
-            <a:picLocks noChangeAspect="1"/>
-          </p:cNvPicPr>
-          <p:nvPr/>
-        </p:nvPicPr>
-        <p:blipFill>
-          <a:blip r:embed="rId5"/>
-          <a:stretch>
-            <a:fillRect/>
-          </a:stretch>
-        </p:blipFill>
-        <p:spPr>
-          <a:xfrm>
-            <a:off x="344489" y="908721"/>
-            <a:ext cx="3528392" cy="1533366"/>
-          </a:xfrm>
-          <a:prstGeom prst="rect">
-            <a:avLst/>
-          </a:prstGeom>
-        </p:spPr>
-      </p:pic>
+        </p:nvSpPr>
+        <p:spPr>
+          <a:xfrm>
+            <a:off x="2809860" y="2714620"/>
+            <a:ext cx="4214615" cy="923330"/>
+          </a:xfrm>
+          <a:prstGeom prst="rect">
+            <a:avLst/>
+          </a:prstGeom>
+          <a:noFill/>
+        </p:spPr>
+        <p:txBody>
+          <a:bodyPr wrap="none" rtlCol="0">
+            <a:spAutoFit/>
+          </a:bodyPr>
+          <a:lstStyle/>
+          <a:p>
+            <a:pPr algn="ctr"/>
+            <a:r>
+              <a:rPr lang="ko-KR" altLang="en-US" sz="5400" b="1" dirty="0">
+                <a:latin typeface="나눔고딕" pitchFamily="50" charset="-127"/>
+                <a:ea typeface="나눔고딕" pitchFamily="50" charset="-127"/>
+              </a:rPr>
+              <a:t>감 사 합 </a:t>
+            </a:r>
+            <a:r>
+              <a:rPr lang="ko-KR" altLang="en-US" sz="5400" b="1" dirty="0" err="1">
+                <a:latin typeface="나눔고딕" pitchFamily="50" charset="-127"/>
+                <a:ea typeface="나눔고딕" pitchFamily="50" charset="-127"/>
+              </a:rPr>
+              <a:t>니</a:t>
+            </a:r>
+            <a:r>
+              <a:rPr lang="ko-KR" altLang="en-US" sz="5400" b="1" dirty="0">
+                <a:latin typeface="나눔고딕" pitchFamily="50" charset="-127"/>
+                <a:ea typeface="나눔고딕" pitchFamily="50" charset="-127"/>
+              </a:rPr>
+              <a:t> 다</a:t>
+            </a:r>
+          </a:p>
+        </p:txBody>
+      </p:sp>
     </p:spTree>
-    <p:extLst>
-      <p:ext uri="{BB962C8B-B14F-4D97-AF65-F5344CB8AC3E}">
-        <p14:creationId xmlns="" xmlns:p14="http://schemas.microsoft.com/office/powerpoint/2010/main" val="3647128647"/>
-      </p:ext>
-    </p:extLst>
   </p:cSld>
   <p:clrMapOvr>
     <a:masterClrMapping/>
@@ -6834,10 +7020,10 @@
       </p:grpSpPr>
       <p:pic>
         <p:nvPicPr>
-          <p:cNvPr id="3" name="그림 2">
+          <p:cNvPr id="7" name="그림 6">
             <a:extLst>
               <a:ext uri="{FF2B5EF4-FFF2-40B4-BE49-F238E27FC236}">
-                <a16:creationId xmlns="" xmlns:a16="http://schemas.microsoft.com/office/drawing/2014/main" id="{981B0729-2B7C-F9FD-FC52-91161D4581F6}"/>
+                <a16:creationId xmlns:a16="http://schemas.microsoft.com/office/drawing/2014/main" id="{0E4C6232-93FF-D73F-C308-8F6DA7C720F5}"/>
               </a:ext>
             </a:extLst>
           </p:cNvPr>
@@ -6846,15 +7032,16 @@
           </p:cNvPicPr>
           <p:nvPr/>
         </p:nvPicPr>
-        <p:blipFill rotWithShape="1">
+        <p:blipFill>
           <a:blip r:embed="rId2"/>
-          <a:srcRect r="28129"/>
-          <a:stretch/>
+          <a:stretch>
+            <a:fillRect/>
+          </a:stretch>
         </p:blipFill>
         <p:spPr>
           <a:xfrm>
-            <a:off x="1064568" y="667801"/>
-            <a:ext cx="2535882" cy="2833207"/>
+            <a:off x="4016896" y="773160"/>
+            <a:ext cx="5163271" cy="2343477"/>
           </a:xfrm>
           <a:prstGeom prst="rect">
             <a:avLst/>
@@ -6866,7 +7053,7 @@
           <p:cNvPr id="11" name="그림 10">
             <a:extLst>
               <a:ext uri="{FF2B5EF4-FFF2-40B4-BE49-F238E27FC236}">
-                <a16:creationId xmlns="" xmlns:a16="http://schemas.microsoft.com/office/drawing/2014/main" id="{14A37B24-B969-4329-420A-77E1E5B18624}"/>
+                <a16:creationId xmlns:a16="http://schemas.microsoft.com/office/drawing/2014/main" id="{223D1580-B5A1-2CD7-87A2-7A3A88D429CA}"/>
               </a:ext>
             </a:extLst>
           </p:cNvPr>
@@ -6883,8 +7070,8 @@
         </p:blipFill>
         <p:spPr>
           <a:xfrm>
-            <a:off x="488505" y="3501008"/>
-            <a:ext cx="6725589" cy="3143689"/>
+            <a:off x="992560" y="3357279"/>
+            <a:ext cx="5010849" cy="3096057"/>
           </a:xfrm>
           <a:prstGeom prst="rect">
             <a:avLst/>
@@ -6893,10 +7080,10 @@
       </p:pic>
       <p:pic>
         <p:nvPicPr>
-          <p:cNvPr id="7" name="그림 6">
+          <p:cNvPr id="15" name="그림 14">
             <a:extLst>
               <a:ext uri="{FF2B5EF4-FFF2-40B4-BE49-F238E27FC236}">
-                <a16:creationId xmlns="" xmlns:a16="http://schemas.microsoft.com/office/drawing/2014/main" id="{F2FA964F-DC87-DAB9-0107-025DD639E5A4}"/>
+                <a16:creationId xmlns:a16="http://schemas.microsoft.com/office/drawing/2014/main" id="{5773AE50-1F82-498D-165E-1AA6B88323E5}"/>
               </a:ext>
             </a:extLst>
           </p:cNvPr>
@@ -6913,8 +7100,38 @@
         </p:blipFill>
         <p:spPr>
           <a:xfrm>
-            <a:off x="6105128" y="875610"/>
-            <a:ext cx="2946300" cy="4115374"/>
+            <a:off x="6897216" y="3789327"/>
+            <a:ext cx="2386978" cy="2440982"/>
+          </a:xfrm>
+          <a:prstGeom prst="rect">
+            <a:avLst/>
+          </a:prstGeom>
+        </p:spPr>
+      </p:pic>
+      <p:pic>
+        <p:nvPicPr>
+          <p:cNvPr id="17" name="그림 16">
+            <a:extLst>
+              <a:ext uri="{FF2B5EF4-FFF2-40B4-BE49-F238E27FC236}">
+                <a16:creationId xmlns:a16="http://schemas.microsoft.com/office/drawing/2014/main" id="{1FC8043C-4C94-0EB6-35E6-6AF01D2D66A3}"/>
+              </a:ext>
+            </a:extLst>
+          </p:cNvPr>
+          <p:cNvPicPr>
+            <a:picLocks noChangeAspect="1"/>
+          </p:cNvPicPr>
+          <p:nvPr/>
+        </p:nvPicPr>
+        <p:blipFill>
+          <a:blip r:embed="rId5"/>
+          <a:stretch>
+            <a:fillRect/>
+          </a:stretch>
+        </p:blipFill>
+        <p:spPr>
+          <a:xfrm>
+            <a:off x="344489" y="908721"/>
+            <a:ext cx="3528392" cy="1533366"/>
           </a:xfrm>
           <a:prstGeom prst="rect">
             <a:avLst/>
@@ -6924,7 +7141,7 @@
     </p:spTree>
     <p:extLst>
       <p:ext uri="{BB962C8B-B14F-4D97-AF65-F5344CB8AC3E}">
-        <p14:creationId xmlns="" xmlns:p14="http://schemas.microsoft.com/office/powerpoint/2010/main" val="3113683769"/>
+        <p14:creationId xmlns:p14="http://schemas.microsoft.com/office/powerpoint/2010/main" val="3647128647"/>
       </p:ext>
     </p:extLst>
   </p:cSld>
